--- a/Presentation.pptx
+++ b/Presentation.pptx
@@ -10,11 +10,11 @@
   </p:notesMasterIdLst>
   <p:sldIdLst>
     <p:sldId id="317" r:id="rId3"/>
-    <p:sldId id="298" r:id="rId4"/>
-    <p:sldId id="299" r:id="rId5"/>
-    <p:sldId id="300" r:id="rId6"/>
-    <p:sldId id="301" r:id="rId7"/>
-    <p:sldId id="302" r:id="rId8"/>
+    <p:sldId id="299" r:id="rId4"/>
+    <p:sldId id="300" r:id="rId5"/>
+    <p:sldId id="301" r:id="rId6"/>
+    <p:sldId id="302" r:id="rId7"/>
+    <p:sldId id="298" r:id="rId8"/>
     <p:sldId id="305" r:id="rId9"/>
     <p:sldId id="304" r:id="rId10"/>
     <p:sldId id="307" r:id="rId11"/>
@@ -997,7 +997,22 @@
             </a:pPr>
             <a:r>
               <a:rPr lang="en-US" dirty="0"/>
-              <a:t>The computer system interacts with Stripe in order to automatically process payments. Data suppliers are requested to pay for the data payloads they upload, and data processors get paid for the data chunks processed by their website visitors.</a:t>
+              <a:t>The computer system interacts with Stripe in order to process payments. Data suppliers are requested to pay for the data payloads they upload, and data processors get paid for the data chunks processed by their website visitors.</a:t>
+            </a:r>
+          </a:p>
+          <a:p>
+            <a:pPr marL="0" lvl="0" indent="0" algn="l" rtl="0">
+              <a:spcBef>
+                <a:spcPts val="0"/>
+              </a:spcBef>
+              <a:spcAft>
+                <a:spcPts val="0"/>
+              </a:spcAft>
+              <a:buNone/>
+            </a:pPr>
+            <a:r>
+              <a:rPr lang="en-US" dirty="0"/>
+              <a:t>This happens automatically, so the system basically runs itself.</a:t>
             </a:r>
           </a:p>
         </p:txBody>
@@ -1275,6 +1290,14 @@
               </a:spcAft>
               <a:buNone/>
             </a:pPr>
+            <a:r>
+              <a:rPr lang="en-US" dirty="0"/>
+              <a:t>Now, before we move on to the live demo of the application, I would be glad to answer any </a:t>
+            </a:r>
+            <a:r>
+              <a:rPr lang="en-US"/>
+              <a:t>questions that you may have.</a:t>
+            </a:r>
             <a:endParaRPr/>
           </a:p>
         </p:txBody>
@@ -1370,277 +1393,6 @@
           </a:bodyPr>
           <a:lstStyle/>
           <a:p>
-            <a:pPr marL="0" marR="0" lvl="0" indent="0" algn="l" defTabSz="914400" rtl="0" eaLnBrk="1" fontAlgn="auto" latinLnBrk="0" hangingPunct="1">
-              <a:lnSpc>
-                <a:spcPct val="100000"/>
-              </a:lnSpc>
-              <a:spcBef>
-                <a:spcPts val="0"/>
-              </a:spcBef>
-              <a:spcAft>
-                <a:spcPts val="0"/>
-              </a:spcAft>
-              <a:buClr>
-                <a:srgbClr val="000000"/>
-              </a:buClr>
-              <a:buSzPts val="1400"/>
-              <a:buFont typeface="Arial"/>
-              <a:buNone/>
-              <a:tabLst/>
-              <a:defRPr/>
-            </a:pPr>
-            <a:r>
-              <a:rPr lang="en-US" sz="1100" dirty="0">
-                <a:solidFill>
-                  <a:schemeClr val="bg1"/>
-                </a:solidFill>
-              </a:rPr>
-              <a:t>Breadwinner is a secure outsourced processing cloud platform, which uses Fully Homomorphic Encryption as a means of protecting data throughout its entire lifecycle, including while it’s being processed.</a:t>
-            </a:r>
-          </a:p>
-          <a:p>
-            <a:pPr marL="0" marR="0" lvl="0" indent="0" algn="l" defTabSz="914400" rtl="0" eaLnBrk="1" fontAlgn="auto" latinLnBrk="0" hangingPunct="1">
-              <a:lnSpc>
-                <a:spcPct val="100000"/>
-              </a:lnSpc>
-              <a:spcBef>
-                <a:spcPts val="0"/>
-              </a:spcBef>
-              <a:spcAft>
-                <a:spcPts val="0"/>
-              </a:spcAft>
-              <a:buClr>
-                <a:srgbClr val="000000"/>
-              </a:buClr>
-              <a:buSzPts val="1400"/>
-              <a:buFont typeface="Arial"/>
-              <a:buNone/>
-              <a:tabLst/>
-              <a:defRPr/>
-            </a:pPr>
-            <a:r>
-              <a:rPr lang="en-US" sz="1100" dirty="0">
-                <a:solidFill>
-                  <a:schemeClr val="bg1"/>
-                </a:solidFill>
-              </a:rPr>
-              <a:t>It nourishes a positive loop between the users of the system. This is achieved by connecting two main types of users: </a:t>
-            </a:r>
-          </a:p>
-          <a:p>
-            <a:pPr marL="171450" marR="0" lvl="0" indent="-171450" algn="l" defTabSz="914400" rtl="0" eaLnBrk="1" fontAlgn="auto" latinLnBrk="0" hangingPunct="1">
-              <a:lnSpc>
-                <a:spcPct val="100000"/>
-              </a:lnSpc>
-              <a:spcBef>
-                <a:spcPts val="0"/>
-              </a:spcBef>
-              <a:spcAft>
-                <a:spcPts val="0"/>
-              </a:spcAft>
-              <a:buClr>
-                <a:srgbClr val="000000"/>
-              </a:buClr>
-              <a:buSzPts val="1400"/>
-              <a:buFontTx/>
-              <a:buChar char="-"/>
-              <a:tabLst/>
-              <a:defRPr/>
-            </a:pPr>
-            <a:r>
-              <a:rPr lang="en-US" sz="1100" dirty="0">
-                <a:solidFill>
-                  <a:schemeClr val="bg1"/>
-                </a:solidFill>
-              </a:rPr>
-              <a:t>clients in search of a secure distributed means of running data through complex computational pipelines AND</a:t>
-            </a:r>
-          </a:p>
-          <a:p>
-            <a:pPr marL="171450" marR="0" lvl="0" indent="-171450" algn="l" defTabSz="914400" rtl="0" eaLnBrk="1" fontAlgn="auto" latinLnBrk="0" hangingPunct="1">
-              <a:lnSpc>
-                <a:spcPct val="100000"/>
-              </a:lnSpc>
-              <a:spcBef>
-                <a:spcPts val="0"/>
-              </a:spcBef>
-              <a:spcAft>
-                <a:spcPts val="0"/>
-              </a:spcAft>
-              <a:buClr>
-                <a:srgbClr val="000000"/>
-              </a:buClr>
-              <a:buSzPts val="1400"/>
-              <a:buFontTx/>
-              <a:buChar char="-"/>
-              <a:tabLst/>
-              <a:defRPr/>
-            </a:pPr>
-            <a:r>
-              <a:rPr lang="en-US" sz="1100" dirty="0">
-                <a:solidFill>
-                  <a:schemeClr val="bg1"/>
-                </a:solidFill>
-              </a:rPr>
-              <a:t>Website owners that offer their visitors’ devices to process data. </a:t>
-            </a:r>
-          </a:p>
-          <a:p>
-            <a:pPr marL="0" marR="0" lvl="0" indent="0" algn="l" defTabSz="914400" rtl="0" eaLnBrk="1" fontAlgn="auto" latinLnBrk="0" hangingPunct="1">
-              <a:lnSpc>
-                <a:spcPct val="100000"/>
-              </a:lnSpc>
-              <a:spcBef>
-                <a:spcPts val="0"/>
-              </a:spcBef>
-              <a:spcAft>
-                <a:spcPts val="0"/>
-              </a:spcAft>
-              <a:buClr>
-                <a:srgbClr val="000000"/>
-              </a:buClr>
-              <a:buSzPts val="1400"/>
-              <a:buFontTx/>
-              <a:buNone/>
-              <a:tabLst/>
-              <a:defRPr/>
-            </a:pPr>
-            <a:r>
-              <a:rPr lang="en-US" sz="1100" dirty="0">
-                <a:solidFill>
-                  <a:schemeClr val="bg1"/>
-                </a:solidFill>
-              </a:rPr>
-              <a:t>This creates financial opportunities which may be used instead of or alongside advertisements.</a:t>
-            </a:r>
-          </a:p>
-          <a:p>
-            <a:pPr marL="0" marR="0" lvl="0" indent="0" algn="l" defTabSz="914400" rtl="0" eaLnBrk="1" fontAlgn="auto" latinLnBrk="0" hangingPunct="1">
-              <a:lnSpc>
-                <a:spcPct val="100000"/>
-              </a:lnSpc>
-              <a:spcBef>
-                <a:spcPts val="0"/>
-              </a:spcBef>
-              <a:spcAft>
-                <a:spcPts val="0"/>
-              </a:spcAft>
-              <a:buClr>
-                <a:srgbClr val="000000"/>
-              </a:buClr>
-              <a:buSzPts val="1400"/>
-              <a:buFontTx/>
-              <a:buNone/>
-              <a:tabLst/>
-              <a:defRPr/>
-            </a:pPr>
-            <a:r>
-              <a:rPr lang="en-US" sz="1100" dirty="0">
-                <a:solidFill>
-                  <a:schemeClr val="bg1"/>
-                </a:solidFill>
-              </a:rPr>
-              <a:t>The system is highly scalable, thanks to the large number of devices available on the Internet.</a:t>
-            </a:r>
-          </a:p>
-        </p:txBody>
-      </p:sp>
-    </p:spTree>
-    <p:extLst>
-      <p:ext uri="{BB962C8B-B14F-4D97-AF65-F5344CB8AC3E}">
-        <p14:creationId xmlns:p14="http://schemas.microsoft.com/office/powerpoint/2010/main" val="1307324588"/>
-      </p:ext>
-    </p:extLst>
-  </p:cSld>
-  <p:clrMapOvr>
-    <a:masterClrMapping/>
-  </p:clrMapOvr>
-</p:notes>
-</file>
-
-<file path=ppt/notesSlides/notesSlide3.xml><?xml version="1.0" encoding="utf-8"?>
-<p:notes xmlns:a="http://schemas.openxmlformats.org/drawingml/2006/main" xmlns:r="http://schemas.openxmlformats.org/officeDocument/2006/relationships" xmlns:p="http://schemas.openxmlformats.org/presentationml/2006/main" showMasterSp="0" showMasterPhAnim="0">
-  <p:cSld>
-    <p:spTree>
-      <p:nvGrpSpPr>
-        <p:cNvPr id="1" name="Shape 99"/>
-        <p:cNvGrpSpPr/>
-        <p:nvPr/>
-      </p:nvGrpSpPr>
-      <p:grpSpPr>
-        <a:xfrm>
-          <a:off x="0" y="0"/>
-          <a:ext cx="0" cy="0"/>
-          <a:chOff x="0" y="0"/>
-          <a:chExt cx="0" cy="0"/>
-        </a:xfrm>
-      </p:grpSpPr>
-      <p:sp>
-        <p:nvSpPr>
-          <p:cNvPr id="100" name="Google Shape;100;p:notes"/>
-          <p:cNvSpPr>
-            <a:spLocks noGrp="1" noRot="1" noChangeAspect="1"/>
-          </p:cNvSpPr>
-          <p:nvPr>
-            <p:ph type="sldImg" idx="2"/>
-          </p:nvPr>
-        </p:nvSpPr>
-        <p:spPr>
-          <a:xfrm>
-            <a:off x="381000" y="685800"/>
-            <a:ext cx="6096000" cy="3429000"/>
-          </a:xfrm>
-          <a:custGeom>
-            <a:avLst/>
-            <a:gdLst/>
-            <a:ahLst/>
-            <a:cxnLst/>
-            <a:rect l="l" t="t" r="r" b="b"/>
-            <a:pathLst>
-              <a:path w="120000" h="120000" extrusionOk="0">
-                <a:moveTo>
-                  <a:pt x="0" y="0"/>
-                </a:moveTo>
-                <a:lnTo>
-                  <a:pt x="120000" y="0"/>
-                </a:lnTo>
-                <a:lnTo>
-                  <a:pt x="120000" y="120000"/>
-                </a:lnTo>
-                <a:lnTo>
-                  <a:pt x="0" y="120000"/>
-                </a:lnTo>
-                <a:close/>
-              </a:path>
-            </a:pathLst>
-          </a:custGeom>
-        </p:spPr>
-      </p:sp>
-      <p:sp>
-        <p:nvSpPr>
-          <p:cNvPr id="101" name="Google Shape;101;p:notes"/>
-          <p:cNvSpPr txBox="1">
-            <a:spLocks noGrp="1"/>
-          </p:cNvSpPr>
-          <p:nvPr>
-            <p:ph type="body" idx="1"/>
-          </p:nvPr>
-        </p:nvSpPr>
-        <p:spPr>
-          <a:xfrm>
-            <a:off x="685800" y="4343400"/>
-            <a:ext cx="5486400" cy="4114800"/>
-          </a:xfrm>
-          <a:prstGeom prst="rect">
-            <a:avLst/>
-          </a:prstGeom>
-        </p:spPr>
-        <p:txBody>
-          <a:bodyPr spcFirstLastPara="1" wrap="square" lIns="91425" tIns="91425" rIns="91425" bIns="91425" anchor="t" anchorCtr="0">
-            <a:noAutofit/>
-          </a:bodyPr>
-          <a:lstStyle/>
-          <a:p>
             <a:pPr marL="0" lvl="0" indent="0" algn="l" rtl="0">
               <a:spcBef>
                 <a:spcPts val="0"/>
@@ -1662,7 +1414,7 @@
 </p:notes>
 </file>
 
-<file path=ppt/notesSlides/notesSlide4.xml><?xml version="1.0" encoding="utf-8"?>
+<file path=ppt/notesSlides/notesSlide3.xml><?xml version="1.0" encoding="utf-8"?>
 <p:notes xmlns:a="http://schemas.openxmlformats.org/drawingml/2006/main" xmlns:r="http://schemas.openxmlformats.org/officeDocument/2006/relationships" xmlns:p="http://schemas.openxmlformats.org/presentationml/2006/main" showMasterSp="0" showMasterPhAnim="0">
   <p:cSld>
     <p:spTree>
@@ -1756,7 +1508,7 @@
             </a:pPr>
             <a:r>
               <a:rPr lang="en-US" dirty="0"/>
-              <a:t>Why choose Fully Homomorphic Encryption in the first place?</a:t>
+              <a:t>So first up is the problem formulation, where cloud privacy is tackled in conjunction with Fully Homomorphic Encryption.</a:t>
             </a:r>
           </a:p>
         </p:txBody>
@@ -1774,7 +1526,7 @@
 </p:notes>
 </file>
 
-<file path=ppt/notesSlides/notesSlide5.xml><?xml version="1.0" encoding="utf-8"?>
+<file path=ppt/notesSlides/notesSlide4.xml><?xml version="1.0" encoding="utf-8"?>
 <p:notes xmlns:a="http://schemas.openxmlformats.org/drawingml/2006/main" xmlns:r="http://schemas.openxmlformats.org/officeDocument/2006/relationships" xmlns:p="http://schemas.openxmlformats.org/presentationml/2006/main" showMasterSp="0" showMasterPhAnim="0">
   <p:cSld>
     <p:spTree>
@@ -1896,7 +1648,7 @@
 </p:notes>
 </file>
 
-<file path=ppt/notesSlides/notesSlide6.xml><?xml version="1.0" encoding="utf-8"?>
+<file path=ppt/notesSlides/notesSlide5.xml><?xml version="1.0" encoding="utf-8"?>
 <p:notes xmlns:a="http://schemas.openxmlformats.org/drawingml/2006/main" xmlns:r="http://schemas.openxmlformats.org/officeDocument/2006/relationships" xmlns:p="http://schemas.openxmlformats.org/presentationml/2006/main" showMasterSp="0" showMasterPhAnim="0">
   <p:cSld>
     <p:spTree>
@@ -1997,6 +1749,190 @@
         </p:txBody>
       </p:sp>
     </p:spTree>
+  </p:cSld>
+  <p:clrMapOvr>
+    <a:masterClrMapping/>
+  </p:clrMapOvr>
+</p:notes>
+</file>
+
+<file path=ppt/notesSlides/notesSlide6.xml><?xml version="1.0" encoding="utf-8"?>
+<p:notes xmlns:a="http://schemas.openxmlformats.org/drawingml/2006/main" xmlns:r="http://schemas.openxmlformats.org/officeDocument/2006/relationships" xmlns:p="http://schemas.openxmlformats.org/presentationml/2006/main" showMasterSp="0" showMasterPhAnim="0">
+  <p:cSld>
+    <p:spTree>
+      <p:nvGrpSpPr>
+        <p:cNvPr id="1" name="Shape 99"/>
+        <p:cNvGrpSpPr/>
+        <p:nvPr/>
+      </p:nvGrpSpPr>
+      <p:grpSpPr>
+        <a:xfrm>
+          <a:off x="0" y="0"/>
+          <a:ext cx="0" cy="0"/>
+          <a:chOff x="0" y="0"/>
+          <a:chExt cx="0" cy="0"/>
+        </a:xfrm>
+      </p:grpSpPr>
+      <p:sp>
+        <p:nvSpPr>
+          <p:cNvPr id="100" name="Google Shape;100;p:notes"/>
+          <p:cNvSpPr>
+            <a:spLocks noGrp="1" noRot="1" noChangeAspect="1"/>
+          </p:cNvSpPr>
+          <p:nvPr>
+            <p:ph type="sldImg" idx="2"/>
+          </p:nvPr>
+        </p:nvSpPr>
+        <p:spPr>
+          <a:xfrm>
+            <a:off x="381000" y="685800"/>
+            <a:ext cx="6096000" cy="3429000"/>
+          </a:xfrm>
+          <a:custGeom>
+            <a:avLst/>
+            <a:gdLst/>
+            <a:ahLst/>
+            <a:cxnLst/>
+            <a:rect l="l" t="t" r="r" b="b"/>
+            <a:pathLst>
+              <a:path w="120000" h="120000" extrusionOk="0">
+                <a:moveTo>
+                  <a:pt x="0" y="0"/>
+                </a:moveTo>
+                <a:lnTo>
+                  <a:pt x="120000" y="0"/>
+                </a:lnTo>
+                <a:lnTo>
+                  <a:pt x="120000" y="120000"/>
+                </a:lnTo>
+                <a:lnTo>
+                  <a:pt x="0" y="120000"/>
+                </a:lnTo>
+                <a:close/>
+              </a:path>
+            </a:pathLst>
+          </a:custGeom>
+        </p:spPr>
+      </p:sp>
+      <p:sp>
+        <p:nvSpPr>
+          <p:cNvPr id="101" name="Google Shape;101;p:notes"/>
+          <p:cNvSpPr txBox="1">
+            <a:spLocks noGrp="1"/>
+          </p:cNvSpPr>
+          <p:nvPr>
+            <p:ph type="body" idx="1"/>
+          </p:nvPr>
+        </p:nvSpPr>
+        <p:spPr>
+          <a:xfrm>
+            <a:off x="685800" y="4343400"/>
+            <a:ext cx="5486400" cy="4114800"/>
+          </a:xfrm>
+          <a:prstGeom prst="rect">
+            <a:avLst/>
+          </a:prstGeom>
+        </p:spPr>
+        <p:txBody>
+          <a:bodyPr spcFirstLastPara="1" wrap="square" lIns="91425" tIns="91425" rIns="91425" bIns="91425" anchor="t" anchorCtr="0">
+            <a:noAutofit/>
+          </a:bodyPr>
+          <a:lstStyle/>
+          <a:p>
+            <a:pPr marL="0" marR="0" lvl="0" indent="0" algn="l" defTabSz="914400" rtl="0" eaLnBrk="1" fontAlgn="auto" latinLnBrk="0" hangingPunct="1">
+              <a:lnSpc>
+                <a:spcPct val="100000"/>
+              </a:lnSpc>
+              <a:spcBef>
+                <a:spcPts val="0"/>
+              </a:spcBef>
+              <a:spcAft>
+                <a:spcPts val="0"/>
+              </a:spcAft>
+              <a:buClr>
+                <a:srgbClr val="000000"/>
+              </a:buClr>
+              <a:buSzPts val="1400"/>
+              <a:buFont typeface="Arial"/>
+              <a:buNone/>
+              <a:tabLst/>
+              <a:defRPr/>
+            </a:pPr>
+            <a:r>
+              <a:rPr lang="en-US" sz="1100" dirty="0">
+                <a:solidFill>
+                  <a:schemeClr val="bg1"/>
+                </a:solidFill>
+              </a:rPr>
+              <a:t>Breadwinner is a secure outsourced processing cloud platform, which uses Fully Homomorphic Encryption as a means of protecting data throughout its entire lifecycle, including while it’s being processed.</a:t>
+            </a:r>
+          </a:p>
+          <a:p>
+            <a:pPr marL="0" marR="0" lvl="0" indent="0" algn="l" defTabSz="914400" rtl="0" eaLnBrk="1" fontAlgn="auto" latinLnBrk="0" hangingPunct="1">
+              <a:lnSpc>
+                <a:spcPct val="100000"/>
+              </a:lnSpc>
+              <a:spcBef>
+                <a:spcPts val="0"/>
+              </a:spcBef>
+              <a:spcAft>
+                <a:spcPts val="0"/>
+              </a:spcAft>
+              <a:buClr>
+                <a:srgbClr val="000000"/>
+              </a:buClr>
+              <a:buSzPts val="1400"/>
+              <a:buFont typeface="Arial"/>
+              <a:buNone/>
+              <a:tabLst/>
+              <a:defRPr/>
+            </a:pPr>
+            <a:r>
+              <a:rPr lang="en-US" sz="1100" dirty="0">
+                <a:solidFill>
+                  <a:schemeClr val="bg1"/>
+                </a:solidFill>
+              </a:rPr>
+              <a:t>In short, it allows clients to upload data to be processed in a secure way, according to some operations that they choose, and the actors that provide the processing infrastructure get paid for it.</a:t>
+            </a:r>
+          </a:p>
+          <a:p>
+            <a:pPr marL="0" marR="0" lvl="0" indent="0" algn="l" defTabSz="914400" rtl="0" eaLnBrk="1" fontAlgn="auto" latinLnBrk="0" hangingPunct="1">
+              <a:lnSpc>
+                <a:spcPct val="100000"/>
+              </a:lnSpc>
+              <a:spcBef>
+                <a:spcPts val="0"/>
+              </a:spcBef>
+              <a:spcAft>
+                <a:spcPts val="0"/>
+              </a:spcAft>
+              <a:buClr>
+                <a:srgbClr val="000000"/>
+              </a:buClr>
+              <a:buSzPts val="1400"/>
+              <a:buFont typeface="Arial"/>
+              <a:buNone/>
+              <a:tabLst/>
+              <a:defRPr/>
+            </a:pPr>
+            <a:r>
+              <a:rPr lang="en-US" sz="1100" dirty="0">
+                <a:solidFill>
+                  <a:schemeClr val="bg1"/>
+                </a:solidFill>
+              </a:rPr>
+              <a:t>It nourishes a positive loop between the users of the system. This creates financial opportunities which may be used instead of or alongside advertisements.</a:t>
+            </a:r>
+          </a:p>
+        </p:txBody>
+      </p:sp>
+    </p:spTree>
+    <p:extLst>
+      <p:ext uri="{BB962C8B-B14F-4D97-AF65-F5344CB8AC3E}">
+        <p14:creationId xmlns:p14="http://schemas.microsoft.com/office/powerpoint/2010/main" val="1307324588"/>
+      </p:ext>
+    </p:extLst>
   </p:cSld>
   <p:clrMapOvr>
     <a:masterClrMapping/>
@@ -2102,7 +2038,7 @@
                   <a:schemeClr val="bg1"/>
                 </a:solidFill>
               </a:rPr>
-              <a:t>So first we have the data suppliers, which want to upload data and process it via a complex pipeline in a secure and performant way. </a:t>
+              <a:t>So first we have the data suppliers, which want to upload data and process it via a complex computational pipeline in a secure and performant way. </a:t>
             </a:r>
           </a:p>
           <a:p>
@@ -2121,7 +2057,7 @@
                   <a:schemeClr val="bg1"/>
                 </a:solidFill>
               </a:rPr>
-              <a:t>Then we have the data processors, who are website owners that offer the computational capabilities of their visitors’ devices and get paid for it. </a:t>
+              <a:t>Then we have the data processors, who are website owners are looking for an alternative monetization scheme for their website. By partnering with the Breadwinner system, they embed a web module within their website, and then the devices of their website visitors will process a data chunk every 10 minutes, let’s say. At the end of the week, the data processors get paid for all the chunks that they have processed.</a:t>
             </a:r>
           </a:p>
           <a:p>
@@ -2144,24 +2080,68 @@
             </a:r>
             <a:r>
               <a:rPr lang="en-US" dirty="0"/>
-              <a:t>Instead of being bombarded with ads, their device processes a data chunk every 10 minutes so that they may enjoy a more peaceful browsing experience.</a:t>
+              <a:t>Instead of being bombarded with ads, their device silently processes data chunks so that they may enjoy a more peaceful browsing experience.</a:t>
             </a:r>
           </a:p>
           <a:p>
-            <a:pPr marL="0" lvl="0" indent="0" algn="l" rtl="0">
-              <a:spcBef>
-                <a:spcPts val="0"/>
-              </a:spcBef>
-              <a:spcAft>
-                <a:spcPts val="0"/>
-              </a:spcAft>
-              <a:buNone/>
+            <a:pPr marL="0" marR="0" lvl="0" indent="0" algn="l" defTabSz="914400" rtl="0" eaLnBrk="1" fontAlgn="auto" latinLnBrk="0" hangingPunct="1">
+              <a:lnSpc>
+                <a:spcPct val="100000"/>
+              </a:lnSpc>
+              <a:spcBef>
+                <a:spcPts val="0"/>
+              </a:spcBef>
+              <a:spcAft>
+                <a:spcPts val="0"/>
+              </a:spcAft>
+              <a:buClr>
+                <a:srgbClr val="000000"/>
+              </a:buClr>
+              <a:buSzPts val="1400"/>
+              <a:buFont typeface="Arial"/>
+              <a:buNone/>
+              <a:tabLst/>
+              <a:defRPr/>
             </a:pPr>
             <a:r>
               <a:rPr lang="en-US" dirty="0"/>
               <a:t>As you can see, the system is beneficial to everyone.</a:t>
             </a:r>
-            <a:endParaRPr dirty="0"/>
+            <a:endParaRPr lang="en-US" sz="1100" dirty="0">
+              <a:solidFill>
+                <a:schemeClr val="bg1"/>
+              </a:solidFill>
+            </a:endParaRPr>
+          </a:p>
+          <a:p>
+            <a:pPr marL="0" marR="0" lvl="0" indent="0" algn="l" defTabSz="914400" rtl="0" eaLnBrk="1" fontAlgn="auto" latinLnBrk="0" hangingPunct="1">
+              <a:lnSpc>
+                <a:spcPct val="100000"/>
+              </a:lnSpc>
+              <a:spcBef>
+                <a:spcPts val="0"/>
+              </a:spcBef>
+              <a:spcAft>
+                <a:spcPts val="0"/>
+              </a:spcAft>
+              <a:buClr>
+                <a:srgbClr val="000000"/>
+              </a:buClr>
+              <a:buSzPts val="1400"/>
+              <a:buFont typeface="Arial"/>
+              <a:buNone/>
+              <a:tabLst/>
+              <a:defRPr/>
+            </a:pPr>
+            <a:r>
+              <a:rPr lang="en-US" sz="1100" dirty="0">
+                <a:solidFill>
+                  <a:schemeClr val="bg1"/>
+                </a:solidFill>
+              </a:rPr>
+              <a:t>The system is also highly scalable, thanks to the large number of devices available on the Internet.</a:t>
+            </a:r>
+            <a:endParaRPr lang="en-US" dirty="0"/>
           </a:p>
         </p:txBody>
       </p:sp>
@@ -10539,916 +10519,6 @@
       </p:grpSpPr>
       <p:sp>
         <p:nvSpPr>
-          <p:cNvPr id="105" name="Google Shape;105;p18"/>
-          <p:cNvSpPr txBox="1">
-            <a:spLocks noGrp="1"/>
-          </p:cNvSpPr>
-          <p:nvPr>
-            <p:ph type="sldNum" idx="12"/>
-          </p:nvPr>
-        </p:nvSpPr>
-        <p:spPr>
-          <a:xfrm>
-            <a:off x="8480584" y="4749851"/>
-            <a:ext cx="548700" cy="393600"/>
-          </a:xfrm>
-          <a:prstGeom prst="rect">
-            <a:avLst/>
-          </a:prstGeom>
-        </p:spPr>
-        <p:txBody>
-          <a:bodyPr spcFirstLastPara="1" wrap="square" lIns="0" tIns="0" rIns="0" bIns="0" anchor="ctr" anchorCtr="0">
-            <a:noAutofit/>
-          </a:bodyPr>
-          <a:lstStyle/>
-          <a:p>
-            <a:pPr marL="0" marR="0" lvl="0" indent="0" algn="r" defTabSz="914400" rtl="0" eaLnBrk="1" fontAlgn="auto" latinLnBrk="0" hangingPunct="1">
-              <a:lnSpc>
-                <a:spcPct val="100000"/>
-              </a:lnSpc>
-              <a:spcBef>
-                <a:spcPts val="0"/>
-              </a:spcBef>
-              <a:spcAft>
-                <a:spcPts val="0"/>
-              </a:spcAft>
-              <a:buClr>
-                <a:srgbClr val="000000"/>
-              </a:buClr>
-              <a:buSzTx/>
-              <a:buFont typeface="Arial"/>
-              <a:buNone/>
-              <a:tabLst/>
-              <a:defRPr/>
-            </a:pPr>
-            <a:fld id="{00000000-1234-1234-1234-123412341234}" type="slidenum">
-              <a:rPr kumimoji="0" lang="en" sz="1300" b="0" i="0" u="none" strike="noStrike" kern="0" cap="none" spc="0" normalizeH="0" baseline="0" noProof="0">
-                <a:ln>
-                  <a:noFill/>
-                </a:ln>
-                <a:solidFill>
-                  <a:srgbClr val="FFFFFF"/>
-                </a:solidFill>
-                <a:effectLst/>
-                <a:uLnTx/>
-                <a:uFillTx/>
-                <a:latin typeface="Lexend Deca"/>
-                <a:cs typeface="Lexend Deca"/>
-                <a:sym typeface="Lexend Deca"/>
-              </a:rPr>
-              <a:pPr marL="0" marR="0" lvl="0" indent="0" algn="r" defTabSz="914400" rtl="0" eaLnBrk="1" fontAlgn="auto" latinLnBrk="0" hangingPunct="1">
-                <a:lnSpc>
-                  <a:spcPct val="100000"/>
-                </a:lnSpc>
-                <a:spcBef>
-                  <a:spcPts val="0"/>
-                </a:spcBef>
-                <a:spcAft>
-                  <a:spcPts val="0"/>
-                </a:spcAft>
-                <a:buClr>
-                  <a:srgbClr val="000000"/>
-                </a:buClr>
-                <a:buSzTx/>
-                <a:buFont typeface="Arial"/>
-                <a:buNone/>
-                <a:tabLst/>
-                <a:defRPr/>
-              </a:pPr>
-              <a:t>2</a:t>
-            </a:fld>
-            <a:endParaRPr kumimoji="0" sz="1300" b="0" i="0" u="none" strike="noStrike" kern="0" cap="none" spc="0" normalizeH="0" baseline="0" noProof="0">
-              <a:ln>
-                <a:noFill/>
-              </a:ln>
-              <a:solidFill>
-                <a:srgbClr val="FFFFFF"/>
-              </a:solidFill>
-              <a:effectLst/>
-              <a:uLnTx/>
-              <a:uFillTx/>
-              <a:latin typeface="Lexend Deca"/>
-              <a:cs typeface="Lexend Deca"/>
-              <a:sym typeface="Lexend Deca"/>
-            </a:endParaRPr>
-          </a:p>
-        </p:txBody>
-      </p:sp>
-      <p:pic>
-        <p:nvPicPr>
-          <p:cNvPr id="5" name="Google Shape;110;p19">
-            <a:extLst>
-              <a:ext uri="{FF2B5EF4-FFF2-40B4-BE49-F238E27FC236}">
-                <a16:creationId xmlns:a16="http://schemas.microsoft.com/office/drawing/2014/main" id="{2534B883-4C28-4012-AADA-B83B5BE82A5B}"/>
-              </a:ext>
-            </a:extLst>
-          </p:cNvPr>
-          <p:cNvPicPr preferRelativeResize="0"/>
-          <p:nvPr/>
-        </p:nvPicPr>
-        <p:blipFill>
-          <a:blip r:embed="rId3">
-            <a:alphaModFix/>
-          </a:blip>
-          <a:stretch>
-            <a:fillRect/>
-          </a:stretch>
-        </p:blipFill>
-        <p:spPr>
-          <a:xfrm>
-            <a:off x="5702015" y="1580522"/>
-            <a:ext cx="3052919" cy="1982456"/>
-          </a:xfrm>
-          <a:prstGeom prst="rect">
-            <a:avLst/>
-          </a:prstGeom>
-          <a:noFill/>
-          <a:ln>
-            <a:noFill/>
-          </a:ln>
-        </p:spPr>
-      </p:pic>
-      <p:sp>
-        <p:nvSpPr>
-          <p:cNvPr id="10" name="Google Shape;94;p17">
-            <a:extLst>
-              <a:ext uri="{FF2B5EF4-FFF2-40B4-BE49-F238E27FC236}">
-                <a16:creationId xmlns:a16="http://schemas.microsoft.com/office/drawing/2014/main" id="{A2C07AAB-31B2-432E-83DB-7B408C250134}"/>
-              </a:ext>
-            </a:extLst>
-          </p:cNvPr>
-          <p:cNvSpPr txBox="1">
-            <a:spLocks/>
-          </p:cNvSpPr>
-          <p:nvPr/>
-        </p:nvSpPr>
-        <p:spPr>
-          <a:xfrm>
-            <a:off x="257673" y="262218"/>
-            <a:ext cx="5444342" cy="642088"/>
-          </a:xfrm>
-          <a:prstGeom prst="rect">
-            <a:avLst/>
-          </a:prstGeom>
-          <a:noFill/>
-          <a:ln>
-            <a:noFill/>
-          </a:ln>
-        </p:spPr>
-        <p:txBody>
-          <a:bodyPr spcFirstLastPara="1" wrap="square" lIns="0" tIns="0" rIns="0" bIns="0" anchor="b" anchorCtr="0">
-            <a:noAutofit/>
-          </a:bodyPr>
-          <a:lstStyle>
-            <a:defPPr marR="0" lvl="0" algn="l" rtl="0">
-              <a:lnSpc>
-                <a:spcPct val="100000"/>
-              </a:lnSpc>
-              <a:spcBef>
-                <a:spcPts val="0"/>
-              </a:spcBef>
-              <a:spcAft>
-                <a:spcPts val="0"/>
-              </a:spcAft>
-            </a:defPPr>
-            <a:lvl1pPr marR="0" lvl="0" algn="l" rtl="0">
-              <a:lnSpc>
-                <a:spcPct val="100000"/>
-              </a:lnSpc>
-              <a:spcBef>
-                <a:spcPts val="0"/>
-              </a:spcBef>
-              <a:spcAft>
-                <a:spcPts val="0"/>
-              </a:spcAft>
-              <a:buClr>
-                <a:schemeClr val="lt1"/>
-              </a:buClr>
-              <a:buSzPts val="3200"/>
-              <a:buFont typeface="Lexend Deca"/>
-              <a:buNone/>
-              <a:defRPr sz="3200" b="1" i="0" u="none" strike="noStrike" cap="none">
-                <a:solidFill>
-                  <a:schemeClr val="lt1"/>
-                </a:solidFill>
-                <a:latin typeface="Lexend Deca"/>
-                <a:ea typeface="Lexend Deca"/>
-                <a:cs typeface="Lexend Deca"/>
-                <a:sym typeface="Lexend Deca"/>
-              </a:defRPr>
-            </a:lvl1pPr>
-            <a:lvl2pPr marR="0" lvl="1" algn="l" rtl="0">
-              <a:lnSpc>
-                <a:spcPct val="100000"/>
-              </a:lnSpc>
-              <a:spcBef>
-                <a:spcPts val="0"/>
-              </a:spcBef>
-              <a:spcAft>
-                <a:spcPts val="0"/>
-              </a:spcAft>
-              <a:buClr>
-                <a:schemeClr val="lt1"/>
-              </a:buClr>
-              <a:buSzPts val="3200"/>
-              <a:buFont typeface="Lexend Deca"/>
-              <a:buNone/>
-              <a:defRPr sz="3200" b="1" i="0" u="none" strike="noStrike" cap="none">
-                <a:solidFill>
-                  <a:schemeClr val="lt1"/>
-                </a:solidFill>
-                <a:latin typeface="Lexend Deca"/>
-                <a:ea typeface="Lexend Deca"/>
-                <a:cs typeface="Lexend Deca"/>
-                <a:sym typeface="Lexend Deca"/>
-              </a:defRPr>
-            </a:lvl2pPr>
-            <a:lvl3pPr marR="0" lvl="2" algn="l" rtl="0">
-              <a:lnSpc>
-                <a:spcPct val="100000"/>
-              </a:lnSpc>
-              <a:spcBef>
-                <a:spcPts val="0"/>
-              </a:spcBef>
-              <a:spcAft>
-                <a:spcPts val="0"/>
-              </a:spcAft>
-              <a:buClr>
-                <a:schemeClr val="lt1"/>
-              </a:buClr>
-              <a:buSzPts val="3200"/>
-              <a:buFont typeface="Lexend Deca"/>
-              <a:buNone/>
-              <a:defRPr sz="3200" b="1" i="0" u="none" strike="noStrike" cap="none">
-                <a:solidFill>
-                  <a:schemeClr val="lt1"/>
-                </a:solidFill>
-                <a:latin typeface="Lexend Deca"/>
-                <a:ea typeface="Lexend Deca"/>
-                <a:cs typeface="Lexend Deca"/>
-                <a:sym typeface="Lexend Deca"/>
-              </a:defRPr>
-            </a:lvl3pPr>
-            <a:lvl4pPr marR="0" lvl="3" algn="l" rtl="0">
-              <a:lnSpc>
-                <a:spcPct val="100000"/>
-              </a:lnSpc>
-              <a:spcBef>
-                <a:spcPts val="0"/>
-              </a:spcBef>
-              <a:spcAft>
-                <a:spcPts val="0"/>
-              </a:spcAft>
-              <a:buClr>
-                <a:schemeClr val="lt1"/>
-              </a:buClr>
-              <a:buSzPts val="3200"/>
-              <a:buFont typeface="Lexend Deca"/>
-              <a:buNone/>
-              <a:defRPr sz="3200" b="1" i="0" u="none" strike="noStrike" cap="none">
-                <a:solidFill>
-                  <a:schemeClr val="lt1"/>
-                </a:solidFill>
-                <a:latin typeface="Lexend Deca"/>
-                <a:ea typeface="Lexend Deca"/>
-                <a:cs typeface="Lexend Deca"/>
-                <a:sym typeface="Lexend Deca"/>
-              </a:defRPr>
-            </a:lvl4pPr>
-            <a:lvl5pPr marR="0" lvl="4" algn="l" rtl="0">
-              <a:lnSpc>
-                <a:spcPct val="100000"/>
-              </a:lnSpc>
-              <a:spcBef>
-                <a:spcPts val="0"/>
-              </a:spcBef>
-              <a:spcAft>
-                <a:spcPts val="0"/>
-              </a:spcAft>
-              <a:buClr>
-                <a:schemeClr val="lt1"/>
-              </a:buClr>
-              <a:buSzPts val="3200"/>
-              <a:buFont typeface="Lexend Deca"/>
-              <a:buNone/>
-              <a:defRPr sz="3200" b="1" i="0" u="none" strike="noStrike" cap="none">
-                <a:solidFill>
-                  <a:schemeClr val="lt1"/>
-                </a:solidFill>
-                <a:latin typeface="Lexend Deca"/>
-                <a:ea typeface="Lexend Deca"/>
-                <a:cs typeface="Lexend Deca"/>
-                <a:sym typeface="Lexend Deca"/>
-              </a:defRPr>
-            </a:lvl5pPr>
-            <a:lvl6pPr marR="0" lvl="5" algn="l" rtl="0">
-              <a:lnSpc>
-                <a:spcPct val="100000"/>
-              </a:lnSpc>
-              <a:spcBef>
-                <a:spcPts val="0"/>
-              </a:spcBef>
-              <a:spcAft>
-                <a:spcPts val="0"/>
-              </a:spcAft>
-              <a:buClr>
-                <a:schemeClr val="lt1"/>
-              </a:buClr>
-              <a:buSzPts val="3200"/>
-              <a:buFont typeface="Lexend Deca"/>
-              <a:buNone/>
-              <a:defRPr sz="3200" b="1" i="0" u="none" strike="noStrike" cap="none">
-                <a:solidFill>
-                  <a:schemeClr val="lt1"/>
-                </a:solidFill>
-                <a:latin typeface="Lexend Deca"/>
-                <a:ea typeface="Lexend Deca"/>
-                <a:cs typeface="Lexend Deca"/>
-                <a:sym typeface="Lexend Deca"/>
-              </a:defRPr>
-            </a:lvl6pPr>
-            <a:lvl7pPr marR="0" lvl="6" algn="l" rtl="0">
-              <a:lnSpc>
-                <a:spcPct val="100000"/>
-              </a:lnSpc>
-              <a:spcBef>
-                <a:spcPts val="0"/>
-              </a:spcBef>
-              <a:spcAft>
-                <a:spcPts val="0"/>
-              </a:spcAft>
-              <a:buClr>
-                <a:schemeClr val="lt1"/>
-              </a:buClr>
-              <a:buSzPts val="3200"/>
-              <a:buFont typeface="Lexend Deca"/>
-              <a:buNone/>
-              <a:defRPr sz="3200" b="1" i="0" u="none" strike="noStrike" cap="none">
-                <a:solidFill>
-                  <a:schemeClr val="lt1"/>
-                </a:solidFill>
-                <a:latin typeface="Lexend Deca"/>
-                <a:ea typeface="Lexend Deca"/>
-                <a:cs typeface="Lexend Deca"/>
-                <a:sym typeface="Lexend Deca"/>
-              </a:defRPr>
-            </a:lvl7pPr>
-            <a:lvl8pPr marR="0" lvl="7" algn="l" rtl="0">
-              <a:lnSpc>
-                <a:spcPct val="100000"/>
-              </a:lnSpc>
-              <a:spcBef>
-                <a:spcPts val="0"/>
-              </a:spcBef>
-              <a:spcAft>
-                <a:spcPts val="0"/>
-              </a:spcAft>
-              <a:buClr>
-                <a:schemeClr val="lt1"/>
-              </a:buClr>
-              <a:buSzPts val="3200"/>
-              <a:buFont typeface="Lexend Deca"/>
-              <a:buNone/>
-              <a:defRPr sz="3200" b="1" i="0" u="none" strike="noStrike" cap="none">
-                <a:solidFill>
-                  <a:schemeClr val="lt1"/>
-                </a:solidFill>
-                <a:latin typeface="Lexend Deca"/>
-                <a:ea typeface="Lexend Deca"/>
-                <a:cs typeface="Lexend Deca"/>
-                <a:sym typeface="Lexend Deca"/>
-              </a:defRPr>
-            </a:lvl8pPr>
-            <a:lvl9pPr marR="0" lvl="8" algn="l" rtl="0">
-              <a:lnSpc>
-                <a:spcPct val="100000"/>
-              </a:lnSpc>
-              <a:spcBef>
-                <a:spcPts val="0"/>
-              </a:spcBef>
-              <a:spcAft>
-                <a:spcPts val="0"/>
-              </a:spcAft>
-              <a:buClr>
-                <a:schemeClr val="lt1"/>
-              </a:buClr>
-              <a:buSzPts val="3200"/>
-              <a:buFont typeface="Lexend Deca"/>
-              <a:buNone/>
-              <a:defRPr sz="3200" b="1" i="0" u="none" strike="noStrike" cap="none">
-                <a:solidFill>
-                  <a:schemeClr val="lt1"/>
-                </a:solidFill>
-                <a:latin typeface="Lexend Deca"/>
-                <a:ea typeface="Lexend Deca"/>
-                <a:cs typeface="Lexend Deca"/>
-                <a:sym typeface="Lexend Deca"/>
-              </a:defRPr>
-            </a:lvl9pPr>
-          </a:lstStyle>
-          <a:p>
-            <a:pPr marL="0" marR="0" lvl="0" indent="0" algn="l" defTabSz="914400" rtl="0" eaLnBrk="1" fontAlgn="auto" latinLnBrk="0" hangingPunct="1">
-              <a:lnSpc>
-                <a:spcPct val="100000"/>
-              </a:lnSpc>
-              <a:spcBef>
-                <a:spcPts val="0"/>
-              </a:spcBef>
-              <a:spcAft>
-                <a:spcPts val="0"/>
-              </a:spcAft>
-              <a:buClr>
-                <a:srgbClr val="FFFFFF"/>
-              </a:buClr>
-              <a:buSzPts val="3200"/>
-              <a:buFont typeface="Lexend Deca"/>
-              <a:buNone/>
-              <a:tabLst/>
-              <a:defRPr/>
-            </a:pPr>
-            <a:r>
-              <a:rPr kumimoji="0" lang="en-US" sz="4000" b="1" i="0" u="none" strike="noStrike" kern="0" cap="none" spc="0" normalizeH="0" baseline="0" noProof="0" dirty="0">
-                <a:ln>
-                  <a:noFill/>
-                </a:ln>
-                <a:solidFill>
-                  <a:srgbClr val="FFFFFF"/>
-                </a:solidFill>
-                <a:effectLst/>
-                <a:uLnTx/>
-                <a:uFillTx/>
-                <a:latin typeface="Lexend Deca"/>
-                <a:cs typeface="Lexend Deca"/>
-                <a:sym typeface="Lexend Deca"/>
-              </a:rPr>
-              <a:t>What is Breadwinner?</a:t>
-            </a:r>
-          </a:p>
-        </p:txBody>
-      </p:sp>
-      <p:sp>
-        <p:nvSpPr>
-          <p:cNvPr id="13" name="Google Shape;104;p18">
-            <a:extLst>
-              <a:ext uri="{FF2B5EF4-FFF2-40B4-BE49-F238E27FC236}">
-                <a16:creationId xmlns:a16="http://schemas.microsoft.com/office/drawing/2014/main" id="{FCB176E6-57C2-490B-9F09-2242E648D541}"/>
-              </a:ext>
-            </a:extLst>
-          </p:cNvPr>
-          <p:cNvSpPr txBox="1">
-            <a:spLocks/>
-          </p:cNvSpPr>
-          <p:nvPr/>
-        </p:nvSpPr>
-        <p:spPr>
-          <a:xfrm>
-            <a:off x="190105" y="927487"/>
-            <a:ext cx="5572174" cy="2209500"/>
-          </a:xfrm>
-          <a:prstGeom prst="rect">
-            <a:avLst/>
-          </a:prstGeom>
-          <a:noFill/>
-          <a:ln>
-            <a:noFill/>
-          </a:ln>
-        </p:spPr>
-        <p:txBody>
-          <a:bodyPr spcFirstLastPara="1" wrap="square" lIns="0" tIns="0" rIns="0" bIns="0" anchor="t" anchorCtr="0">
-            <a:noAutofit/>
-          </a:bodyPr>
-          <a:lstStyle>
-            <a:defPPr marR="0" lvl="0" algn="l" rtl="0">
-              <a:lnSpc>
-                <a:spcPct val="100000"/>
-              </a:lnSpc>
-              <a:spcBef>
-                <a:spcPts val="0"/>
-              </a:spcBef>
-              <a:spcAft>
-                <a:spcPts val="0"/>
-              </a:spcAft>
-            </a:defPPr>
-            <a:lvl1pPr marL="457200" marR="0" lvl="0" indent="-342900" algn="l" rtl="0">
-              <a:lnSpc>
-                <a:spcPct val="115000"/>
-              </a:lnSpc>
-              <a:spcBef>
-                <a:spcPts val="0"/>
-              </a:spcBef>
-              <a:spcAft>
-                <a:spcPts val="0"/>
-              </a:spcAft>
-              <a:buClr>
-                <a:schemeClr val="accent4"/>
-              </a:buClr>
-              <a:buSzPts val="1800"/>
-              <a:buFont typeface="Muli Regular"/>
-              <a:buNone/>
-              <a:defRPr sz="1800" b="0" i="0" u="none" strike="noStrike" cap="none">
-                <a:solidFill>
-                  <a:schemeClr val="accent4"/>
-                </a:solidFill>
-                <a:latin typeface="Muli Regular"/>
-                <a:ea typeface="Muli Regular"/>
-                <a:cs typeface="Muli Regular"/>
-                <a:sym typeface="Muli Regular"/>
-              </a:defRPr>
-            </a:lvl1pPr>
-            <a:lvl2pPr marL="914400" marR="0" lvl="1" indent="-381000" algn="l" rtl="0">
-              <a:lnSpc>
-                <a:spcPct val="115000"/>
-              </a:lnSpc>
-              <a:spcBef>
-                <a:spcPts val="0"/>
-              </a:spcBef>
-              <a:spcAft>
-                <a:spcPts val="0"/>
-              </a:spcAft>
-              <a:buClr>
-                <a:schemeClr val="accent4"/>
-              </a:buClr>
-              <a:buSzPts val="1800"/>
-              <a:buFont typeface="Muli Regular"/>
-              <a:buNone/>
-              <a:defRPr sz="1800" b="0" i="0" u="none" strike="noStrike" cap="none">
-                <a:solidFill>
-                  <a:schemeClr val="accent4"/>
-                </a:solidFill>
-                <a:latin typeface="Muli Regular"/>
-                <a:ea typeface="Muli Regular"/>
-                <a:cs typeface="Muli Regular"/>
-                <a:sym typeface="Muli Regular"/>
-              </a:defRPr>
-            </a:lvl2pPr>
-            <a:lvl3pPr marL="1371600" marR="0" lvl="2" indent="-381000" algn="l" rtl="0">
-              <a:lnSpc>
-                <a:spcPct val="115000"/>
-              </a:lnSpc>
-              <a:spcBef>
-                <a:spcPts val="0"/>
-              </a:spcBef>
-              <a:spcAft>
-                <a:spcPts val="0"/>
-              </a:spcAft>
-              <a:buClr>
-                <a:schemeClr val="accent4"/>
-              </a:buClr>
-              <a:buSzPts val="1800"/>
-              <a:buFont typeface="Muli Regular"/>
-              <a:buNone/>
-              <a:defRPr sz="1800" b="0" i="0" u="none" strike="noStrike" cap="none">
-                <a:solidFill>
-                  <a:schemeClr val="accent4"/>
-                </a:solidFill>
-                <a:latin typeface="Muli Regular"/>
-                <a:ea typeface="Muli Regular"/>
-                <a:cs typeface="Muli Regular"/>
-                <a:sym typeface="Muli Regular"/>
-              </a:defRPr>
-            </a:lvl3pPr>
-            <a:lvl4pPr marL="1828800" marR="0" lvl="3" indent="-381000" algn="l" rtl="0">
-              <a:lnSpc>
-                <a:spcPct val="115000"/>
-              </a:lnSpc>
-              <a:spcBef>
-                <a:spcPts val="0"/>
-              </a:spcBef>
-              <a:spcAft>
-                <a:spcPts val="0"/>
-              </a:spcAft>
-              <a:buClr>
-                <a:schemeClr val="accent4"/>
-              </a:buClr>
-              <a:buSzPts val="1800"/>
-              <a:buFont typeface="Muli Regular"/>
-              <a:buNone/>
-              <a:defRPr sz="1800" b="0" i="0" u="none" strike="noStrike" cap="none">
-                <a:solidFill>
-                  <a:schemeClr val="accent4"/>
-                </a:solidFill>
-                <a:latin typeface="Muli Regular"/>
-                <a:ea typeface="Muli Regular"/>
-                <a:cs typeface="Muli Regular"/>
-                <a:sym typeface="Muli Regular"/>
-              </a:defRPr>
-            </a:lvl4pPr>
-            <a:lvl5pPr marL="2286000" marR="0" lvl="4" indent="-381000" algn="l" rtl="0">
-              <a:lnSpc>
-                <a:spcPct val="115000"/>
-              </a:lnSpc>
-              <a:spcBef>
-                <a:spcPts val="0"/>
-              </a:spcBef>
-              <a:spcAft>
-                <a:spcPts val="0"/>
-              </a:spcAft>
-              <a:buClr>
-                <a:schemeClr val="accent4"/>
-              </a:buClr>
-              <a:buSzPts val="1800"/>
-              <a:buFont typeface="Muli Regular"/>
-              <a:buNone/>
-              <a:defRPr sz="1800" b="0" i="0" u="none" strike="noStrike" cap="none">
-                <a:solidFill>
-                  <a:schemeClr val="accent4"/>
-                </a:solidFill>
-                <a:latin typeface="Muli Regular"/>
-                <a:ea typeface="Muli Regular"/>
-                <a:cs typeface="Muli Regular"/>
-                <a:sym typeface="Muli Regular"/>
-              </a:defRPr>
-            </a:lvl5pPr>
-            <a:lvl6pPr marL="2743200" marR="0" lvl="5" indent="-381000" algn="l" rtl="0">
-              <a:lnSpc>
-                <a:spcPct val="115000"/>
-              </a:lnSpc>
-              <a:spcBef>
-                <a:spcPts val="0"/>
-              </a:spcBef>
-              <a:spcAft>
-                <a:spcPts val="0"/>
-              </a:spcAft>
-              <a:buClr>
-                <a:schemeClr val="accent4"/>
-              </a:buClr>
-              <a:buSzPts val="1800"/>
-              <a:buFont typeface="Muli Regular"/>
-              <a:buNone/>
-              <a:defRPr sz="1800" b="0" i="0" u="none" strike="noStrike" cap="none">
-                <a:solidFill>
-                  <a:schemeClr val="accent4"/>
-                </a:solidFill>
-                <a:latin typeface="Muli Regular"/>
-                <a:ea typeface="Muli Regular"/>
-                <a:cs typeface="Muli Regular"/>
-                <a:sym typeface="Muli Regular"/>
-              </a:defRPr>
-            </a:lvl6pPr>
-            <a:lvl7pPr marL="3200400" marR="0" lvl="6" indent="-381000" algn="l" rtl="0">
-              <a:lnSpc>
-                <a:spcPct val="115000"/>
-              </a:lnSpc>
-              <a:spcBef>
-                <a:spcPts val="0"/>
-              </a:spcBef>
-              <a:spcAft>
-                <a:spcPts val="0"/>
-              </a:spcAft>
-              <a:buClr>
-                <a:schemeClr val="accent4"/>
-              </a:buClr>
-              <a:buSzPts val="1800"/>
-              <a:buFont typeface="Muli Regular"/>
-              <a:buNone/>
-              <a:defRPr sz="1800" b="0" i="0" u="none" strike="noStrike" cap="none">
-                <a:solidFill>
-                  <a:schemeClr val="accent4"/>
-                </a:solidFill>
-                <a:latin typeface="Muli Regular"/>
-                <a:ea typeface="Muli Regular"/>
-                <a:cs typeface="Muli Regular"/>
-                <a:sym typeface="Muli Regular"/>
-              </a:defRPr>
-            </a:lvl7pPr>
-            <a:lvl8pPr marL="3657600" marR="0" lvl="7" indent="-381000" algn="l" rtl="0">
-              <a:lnSpc>
-                <a:spcPct val="115000"/>
-              </a:lnSpc>
-              <a:spcBef>
-                <a:spcPts val="0"/>
-              </a:spcBef>
-              <a:spcAft>
-                <a:spcPts val="0"/>
-              </a:spcAft>
-              <a:buClr>
-                <a:schemeClr val="accent4"/>
-              </a:buClr>
-              <a:buSzPts val="1800"/>
-              <a:buFont typeface="Muli Regular"/>
-              <a:buNone/>
-              <a:defRPr sz="1800" b="0" i="0" u="none" strike="noStrike" cap="none">
-                <a:solidFill>
-                  <a:schemeClr val="accent4"/>
-                </a:solidFill>
-                <a:latin typeface="Muli Regular"/>
-                <a:ea typeface="Muli Regular"/>
-                <a:cs typeface="Muli Regular"/>
-                <a:sym typeface="Muli Regular"/>
-              </a:defRPr>
-            </a:lvl8pPr>
-            <a:lvl9pPr marL="4114800" marR="0" lvl="8" indent="-381000" algn="l" rtl="0">
-              <a:lnSpc>
-                <a:spcPct val="115000"/>
-              </a:lnSpc>
-              <a:spcBef>
-                <a:spcPts val="0"/>
-              </a:spcBef>
-              <a:spcAft>
-                <a:spcPts val="0"/>
-              </a:spcAft>
-              <a:buClr>
-                <a:schemeClr val="accent4"/>
-              </a:buClr>
-              <a:buSzPts val="1800"/>
-              <a:buFont typeface="Muli Regular"/>
-              <a:buNone/>
-              <a:defRPr sz="1800" b="0" i="0" u="none" strike="noStrike" cap="none">
-                <a:solidFill>
-                  <a:schemeClr val="accent4"/>
-                </a:solidFill>
-                <a:latin typeface="Muli Regular"/>
-                <a:ea typeface="Muli Regular"/>
-                <a:cs typeface="Muli Regular"/>
-                <a:sym typeface="Muli Regular"/>
-              </a:defRPr>
-            </a:lvl9pPr>
-          </a:lstStyle>
-          <a:p>
-            <a:pPr marL="457200" marR="0" lvl="0" indent="-381000" algn="l" defTabSz="914400" rtl="0" eaLnBrk="1" fontAlgn="auto" latinLnBrk="0" hangingPunct="1">
-              <a:lnSpc>
-                <a:spcPct val="115000"/>
-              </a:lnSpc>
-              <a:spcBef>
-                <a:spcPts val="600"/>
-              </a:spcBef>
-              <a:spcAft>
-                <a:spcPts val="0"/>
-              </a:spcAft>
-              <a:buClr>
-                <a:srgbClr val="00FFFF"/>
-              </a:buClr>
-              <a:buSzPts val="2400"/>
-              <a:buFont typeface="Muli Regular"/>
-              <a:buChar char="⬡"/>
-              <a:tabLst/>
-              <a:defRPr/>
-            </a:pPr>
-            <a:r>
-              <a:rPr lang="en-US" sz="2800" dirty="0">
-                <a:solidFill>
-                  <a:srgbClr val="FFFFFF"/>
-                </a:solidFill>
-              </a:rPr>
-              <a:t>Secure distributed &amp; outsourced processing cloud platform</a:t>
-            </a:r>
-            <a:endParaRPr kumimoji="0" lang="en-US" sz="2800" b="0" i="0" u="none" strike="noStrike" kern="0" cap="none" spc="0" normalizeH="0" baseline="0" noProof="0" dirty="0">
-              <a:ln>
-                <a:noFill/>
-              </a:ln>
-              <a:solidFill>
-                <a:srgbClr val="FFFFFF"/>
-              </a:solidFill>
-              <a:effectLst/>
-              <a:uLnTx/>
-              <a:uFillTx/>
-              <a:latin typeface="Muli Regular"/>
-              <a:sym typeface="Muli Regular"/>
-            </a:endParaRPr>
-          </a:p>
-          <a:p>
-            <a:pPr marL="457200" marR="0" lvl="0" indent="-381000" algn="l" defTabSz="914400" rtl="0" eaLnBrk="1" fontAlgn="auto" latinLnBrk="0" hangingPunct="1">
-              <a:lnSpc>
-                <a:spcPct val="115000"/>
-              </a:lnSpc>
-              <a:spcBef>
-                <a:spcPts val="600"/>
-              </a:spcBef>
-              <a:spcAft>
-                <a:spcPts val="0"/>
-              </a:spcAft>
-              <a:buClr>
-                <a:srgbClr val="00FFFF"/>
-              </a:buClr>
-              <a:buSzPts val="2400"/>
-              <a:buFont typeface="Muli Regular"/>
-              <a:buChar char="⬡"/>
-              <a:tabLst/>
-              <a:defRPr/>
-            </a:pPr>
-            <a:r>
-              <a:rPr lang="en-US" sz="2800" dirty="0">
-                <a:solidFill>
-                  <a:srgbClr val="FFFFFF"/>
-                </a:solidFill>
-              </a:rPr>
-              <a:t>Uses Fully Homomorphic Encryption to solve cloud privacy &amp; processing conflict</a:t>
-            </a:r>
-          </a:p>
-          <a:p>
-            <a:pPr marL="457200" marR="0" lvl="0" indent="-381000" algn="l" defTabSz="914400" rtl="0" eaLnBrk="1" fontAlgn="auto" latinLnBrk="0" hangingPunct="1">
-              <a:lnSpc>
-                <a:spcPct val="115000"/>
-              </a:lnSpc>
-              <a:spcBef>
-                <a:spcPts val="600"/>
-              </a:spcBef>
-              <a:spcAft>
-                <a:spcPts val="0"/>
-              </a:spcAft>
-              <a:buClr>
-                <a:srgbClr val="00FFFF"/>
-              </a:buClr>
-              <a:buSzPts val="2400"/>
-              <a:buFont typeface="Muli Regular"/>
-              <a:buChar char="⬡"/>
-              <a:tabLst/>
-              <a:defRPr/>
-            </a:pPr>
-            <a:r>
-              <a:rPr lang="en-US" sz="2800" dirty="0">
-                <a:solidFill>
-                  <a:srgbClr val="FFFFFF"/>
-                </a:solidFill>
-              </a:rPr>
-              <a:t>Offers alternative web </a:t>
-            </a:r>
-            <a:r>
-              <a:rPr lang="en-US" sz="2800">
-                <a:solidFill>
-                  <a:srgbClr val="FFFFFF"/>
-                </a:solidFill>
-              </a:rPr>
-              <a:t>monetization scheme</a:t>
-            </a:r>
-            <a:endParaRPr kumimoji="0" lang="en-US" sz="2800" b="0" i="0" u="none" strike="noStrike" kern="0" cap="none" spc="0" normalizeH="0" baseline="0" noProof="0" dirty="0">
-              <a:ln>
-                <a:noFill/>
-              </a:ln>
-              <a:solidFill>
-                <a:srgbClr val="FFFFFF"/>
-              </a:solidFill>
-              <a:effectLst/>
-              <a:uLnTx/>
-              <a:uFillTx/>
-              <a:latin typeface="Muli Regular"/>
-              <a:sym typeface="Muli Regular"/>
-            </a:endParaRPr>
-          </a:p>
-        </p:txBody>
-      </p:sp>
-      <p:pic>
-        <p:nvPicPr>
-          <p:cNvPr id="8" name="Picture 7" descr="Text&#10;&#10;Description automatically generated with low confidence">
-            <a:extLst>
-              <a:ext uri="{FF2B5EF4-FFF2-40B4-BE49-F238E27FC236}">
-                <a16:creationId xmlns:a16="http://schemas.microsoft.com/office/drawing/2014/main" id="{B40C6C75-9477-166A-EB40-6AB7DBA5347F}"/>
-              </a:ext>
-            </a:extLst>
-          </p:cNvPr>
-          <p:cNvPicPr>
-            <a:picLocks noChangeAspect="1"/>
-          </p:cNvPicPr>
-          <p:nvPr/>
-        </p:nvPicPr>
-        <p:blipFill>
-          <a:blip r:embed="rId4"/>
-          <a:stretch>
-            <a:fillRect/>
-          </a:stretch>
-        </p:blipFill>
-        <p:spPr>
-          <a:xfrm>
-            <a:off x="6198113" y="1923004"/>
-            <a:ext cx="2060721" cy="1297492"/>
-          </a:xfrm>
-          <a:prstGeom prst="rect">
-            <a:avLst/>
-          </a:prstGeom>
-        </p:spPr>
-      </p:pic>
-    </p:spTree>
-    <p:extLst>
-      <p:ext uri="{BB962C8B-B14F-4D97-AF65-F5344CB8AC3E}">
-        <p14:creationId xmlns:p14="http://schemas.microsoft.com/office/powerpoint/2010/main" val="2089460598"/>
-      </p:ext>
-    </p:extLst>
-  </p:cSld>
-  <p:clrMapOvr>
-    <a:masterClrMapping/>
-  </p:clrMapOvr>
-</p:sld>
-</file>
-
-<file path=ppt/slides/slide3.xml><?xml version="1.0" encoding="utf-8"?>
-<p:sld xmlns:a="http://schemas.openxmlformats.org/drawingml/2006/main" xmlns:r="http://schemas.openxmlformats.org/officeDocument/2006/relationships" xmlns:p="http://schemas.openxmlformats.org/presentationml/2006/main">
-  <p:cSld>
-    <p:spTree>
-      <p:nvGrpSpPr>
-        <p:cNvPr id="1" name="Shape 102"/>
-        <p:cNvGrpSpPr/>
-        <p:nvPr/>
-      </p:nvGrpSpPr>
-      <p:grpSpPr>
-        <a:xfrm>
-          <a:off x="0" y="0"/>
-          <a:ext cx="0" cy="0"/>
-          <a:chOff x="0" y="0"/>
-          <a:chExt cx="0" cy="0"/>
-        </a:xfrm>
-      </p:grpSpPr>
-      <p:sp>
-        <p:nvSpPr>
           <p:cNvPr id="103" name="Google Shape;103;p18"/>
           <p:cNvSpPr txBox="1">
             <a:spLocks noGrp="1"/>
@@ -11616,7 +10686,7 @@
             </a:pPr>
             <a:fld id="{00000000-1234-1234-1234-123412341234}" type="slidenum">
               <a:rPr lang="en"/>
-              <a:t>3</a:t>
+              <a:t>2</a:t>
             </a:fld>
             <a:endParaRPr/>
           </a:p>
@@ -11630,7 +10700,7 @@
 </p:sld>
 </file>
 
-<file path=ppt/slides/slide4.xml><?xml version="1.0" encoding="utf-8"?>
+<file path=ppt/slides/slide3.xml><?xml version="1.0" encoding="utf-8"?>
 <p:sld xmlns:a="http://schemas.openxmlformats.org/drawingml/2006/main" xmlns:r="http://schemas.openxmlformats.org/officeDocument/2006/relationships" xmlns:p="http://schemas.openxmlformats.org/presentationml/2006/main">
   <p:cSld>
     <p:spTree>
@@ -12018,8 +11088,8 @@
         </p:nvSpPr>
         <p:spPr>
           <a:xfrm>
-            <a:off x="254312" y="2571750"/>
-            <a:ext cx="3417650" cy="784800"/>
+            <a:off x="254311" y="2571750"/>
+            <a:ext cx="3527761" cy="784800"/>
           </a:xfrm>
           <a:prstGeom prst="rect">
             <a:avLst/>
@@ -12294,7 +11364,7 @@
                   <a:schemeClr val="accent4"/>
                 </a:solidFill>
               </a:rPr>
-              <a:t>Why Fully Homomorphic Encryption?</a:t>
+              <a:t>Cloud privacy &amp; Cloud processing conflict</a:t>
             </a:r>
           </a:p>
         </p:txBody>
@@ -12312,7 +11382,7 @@
 </p:sld>
 </file>
 
-<file path=ppt/slides/slide5.xml><?xml version="1.0" encoding="utf-8"?>
+<file path=ppt/slides/slide4.xml><?xml version="1.0" encoding="utf-8"?>
 <p:sld xmlns:a="http://schemas.openxmlformats.org/drawingml/2006/main" xmlns:r="http://schemas.openxmlformats.org/officeDocument/2006/relationships" xmlns:p="http://schemas.openxmlformats.org/presentationml/2006/main">
   <p:cSld>
     <p:spTree>
@@ -12469,7 +11539,7 @@
             </a:pPr>
             <a:fld id="{00000000-1234-1234-1234-123412341234}" type="slidenum">
               <a:rPr lang="en"/>
-              <a:t>5</a:t>
+              <a:t>4</a:t>
             </a:fld>
             <a:endParaRPr/>
           </a:p>
@@ -13640,7 +12710,7 @@
 </p:sld>
 </file>
 
-<file path=ppt/slides/slide6.xml><?xml version="1.0" encoding="utf-8"?>
+<file path=ppt/slides/slide5.xml><?xml version="1.0" encoding="utf-8"?>
 <p:sld xmlns:a="http://schemas.openxmlformats.org/drawingml/2006/main" xmlns:r="http://schemas.openxmlformats.org/officeDocument/2006/relationships" xmlns:p="http://schemas.openxmlformats.org/presentationml/2006/main">
   <p:cSld>
     <p:spTree>
@@ -13742,7 +12812,7 @@
             </a:pPr>
             <a:fld id="{00000000-1234-1234-1234-123412341234}" type="slidenum">
               <a:rPr lang="en"/>
-              <a:t>6</a:t>
+              <a:t>5</a:t>
             </a:fld>
             <a:endParaRPr/>
           </a:p>
@@ -14554,6 +13624,916 @@
         </p:spPr>
       </p:pic>
     </p:spTree>
+  </p:cSld>
+  <p:clrMapOvr>
+    <a:masterClrMapping/>
+  </p:clrMapOvr>
+</p:sld>
+</file>
+
+<file path=ppt/slides/slide6.xml><?xml version="1.0" encoding="utf-8"?>
+<p:sld xmlns:a="http://schemas.openxmlformats.org/drawingml/2006/main" xmlns:r="http://schemas.openxmlformats.org/officeDocument/2006/relationships" xmlns:p="http://schemas.openxmlformats.org/presentationml/2006/main">
+  <p:cSld>
+    <p:spTree>
+      <p:nvGrpSpPr>
+        <p:cNvPr id="1" name="Shape 102"/>
+        <p:cNvGrpSpPr/>
+        <p:nvPr/>
+      </p:nvGrpSpPr>
+      <p:grpSpPr>
+        <a:xfrm>
+          <a:off x="0" y="0"/>
+          <a:ext cx="0" cy="0"/>
+          <a:chOff x="0" y="0"/>
+          <a:chExt cx="0" cy="0"/>
+        </a:xfrm>
+      </p:grpSpPr>
+      <p:sp>
+        <p:nvSpPr>
+          <p:cNvPr id="105" name="Google Shape;105;p18"/>
+          <p:cNvSpPr txBox="1">
+            <a:spLocks noGrp="1"/>
+          </p:cNvSpPr>
+          <p:nvPr>
+            <p:ph type="sldNum" idx="12"/>
+          </p:nvPr>
+        </p:nvSpPr>
+        <p:spPr>
+          <a:xfrm>
+            <a:off x="8480584" y="4749851"/>
+            <a:ext cx="548700" cy="393600"/>
+          </a:xfrm>
+          <a:prstGeom prst="rect">
+            <a:avLst/>
+          </a:prstGeom>
+        </p:spPr>
+        <p:txBody>
+          <a:bodyPr spcFirstLastPara="1" wrap="square" lIns="0" tIns="0" rIns="0" bIns="0" anchor="ctr" anchorCtr="0">
+            <a:noAutofit/>
+          </a:bodyPr>
+          <a:lstStyle/>
+          <a:p>
+            <a:pPr marL="0" marR="0" lvl="0" indent="0" algn="r" defTabSz="914400" rtl="0" eaLnBrk="1" fontAlgn="auto" latinLnBrk="0" hangingPunct="1">
+              <a:lnSpc>
+                <a:spcPct val="100000"/>
+              </a:lnSpc>
+              <a:spcBef>
+                <a:spcPts val="0"/>
+              </a:spcBef>
+              <a:spcAft>
+                <a:spcPts val="0"/>
+              </a:spcAft>
+              <a:buClr>
+                <a:srgbClr val="000000"/>
+              </a:buClr>
+              <a:buSzTx/>
+              <a:buFont typeface="Arial"/>
+              <a:buNone/>
+              <a:tabLst/>
+              <a:defRPr/>
+            </a:pPr>
+            <a:fld id="{00000000-1234-1234-1234-123412341234}" type="slidenum">
+              <a:rPr kumimoji="0" lang="en" sz="1300" b="0" i="0" u="none" strike="noStrike" kern="0" cap="none" spc="0" normalizeH="0" baseline="0" noProof="0">
+                <a:ln>
+                  <a:noFill/>
+                </a:ln>
+                <a:solidFill>
+                  <a:srgbClr val="FFFFFF"/>
+                </a:solidFill>
+                <a:effectLst/>
+                <a:uLnTx/>
+                <a:uFillTx/>
+                <a:latin typeface="Lexend Deca"/>
+                <a:cs typeface="Lexend Deca"/>
+                <a:sym typeface="Lexend Deca"/>
+              </a:rPr>
+              <a:pPr marL="0" marR="0" lvl="0" indent="0" algn="r" defTabSz="914400" rtl="0" eaLnBrk="1" fontAlgn="auto" latinLnBrk="0" hangingPunct="1">
+                <a:lnSpc>
+                  <a:spcPct val="100000"/>
+                </a:lnSpc>
+                <a:spcBef>
+                  <a:spcPts val="0"/>
+                </a:spcBef>
+                <a:spcAft>
+                  <a:spcPts val="0"/>
+                </a:spcAft>
+                <a:buClr>
+                  <a:srgbClr val="000000"/>
+                </a:buClr>
+                <a:buSzTx/>
+                <a:buFont typeface="Arial"/>
+                <a:buNone/>
+                <a:tabLst/>
+                <a:defRPr/>
+              </a:pPr>
+              <a:t>6</a:t>
+            </a:fld>
+            <a:endParaRPr kumimoji="0" sz="1300" b="0" i="0" u="none" strike="noStrike" kern="0" cap="none" spc="0" normalizeH="0" baseline="0" noProof="0">
+              <a:ln>
+                <a:noFill/>
+              </a:ln>
+              <a:solidFill>
+                <a:srgbClr val="FFFFFF"/>
+              </a:solidFill>
+              <a:effectLst/>
+              <a:uLnTx/>
+              <a:uFillTx/>
+              <a:latin typeface="Lexend Deca"/>
+              <a:cs typeface="Lexend Deca"/>
+              <a:sym typeface="Lexend Deca"/>
+            </a:endParaRPr>
+          </a:p>
+        </p:txBody>
+      </p:sp>
+      <p:pic>
+        <p:nvPicPr>
+          <p:cNvPr id="5" name="Google Shape;110;p19">
+            <a:extLst>
+              <a:ext uri="{FF2B5EF4-FFF2-40B4-BE49-F238E27FC236}">
+                <a16:creationId xmlns:a16="http://schemas.microsoft.com/office/drawing/2014/main" id="{2534B883-4C28-4012-AADA-B83B5BE82A5B}"/>
+              </a:ext>
+            </a:extLst>
+          </p:cNvPr>
+          <p:cNvPicPr preferRelativeResize="0"/>
+          <p:nvPr/>
+        </p:nvPicPr>
+        <p:blipFill>
+          <a:blip r:embed="rId3">
+            <a:alphaModFix/>
+          </a:blip>
+          <a:stretch>
+            <a:fillRect/>
+          </a:stretch>
+        </p:blipFill>
+        <p:spPr>
+          <a:xfrm>
+            <a:off x="5702015" y="1580522"/>
+            <a:ext cx="3052919" cy="1982456"/>
+          </a:xfrm>
+          <a:prstGeom prst="rect">
+            <a:avLst/>
+          </a:prstGeom>
+          <a:noFill/>
+          <a:ln>
+            <a:noFill/>
+          </a:ln>
+        </p:spPr>
+      </p:pic>
+      <p:sp>
+        <p:nvSpPr>
+          <p:cNvPr id="10" name="Google Shape;94;p17">
+            <a:extLst>
+              <a:ext uri="{FF2B5EF4-FFF2-40B4-BE49-F238E27FC236}">
+                <a16:creationId xmlns:a16="http://schemas.microsoft.com/office/drawing/2014/main" id="{A2C07AAB-31B2-432E-83DB-7B408C250134}"/>
+              </a:ext>
+            </a:extLst>
+          </p:cNvPr>
+          <p:cNvSpPr txBox="1">
+            <a:spLocks/>
+          </p:cNvSpPr>
+          <p:nvPr/>
+        </p:nvSpPr>
+        <p:spPr>
+          <a:xfrm>
+            <a:off x="257673" y="262218"/>
+            <a:ext cx="5444342" cy="642088"/>
+          </a:xfrm>
+          <a:prstGeom prst="rect">
+            <a:avLst/>
+          </a:prstGeom>
+          <a:noFill/>
+          <a:ln>
+            <a:noFill/>
+          </a:ln>
+        </p:spPr>
+        <p:txBody>
+          <a:bodyPr spcFirstLastPara="1" wrap="square" lIns="0" tIns="0" rIns="0" bIns="0" anchor="b" anchorCtr="0">
+            <a:noAutofit/>
+          </a:bodyPr>
+          <a:lstStyle>
+            <a:defPPr marR="0" lvl="0" algn="l" rtl="0">
+              <a:lnSpc>
+                <a:spcPct val="100000"/>
+              </a:lnSpc>
+              <a:spcBef>
+                <a:spcPts val="0"/>
+              </a:spcBef>
+              <a:spcAft>
+                <a:spcPts val="0"/>
+              </a:spcAft>
+            </a:defPPr>
+            <a:lvl1pPr marR="0" lvl="0" algn="l" rtl="0">
+              <a:lnSpc>
+                <a:spcPct val="100000"/>
+              </a:lnSpc>
+              <a:spcBef>
+                <a:spcPts val="0"/>
+              </a:spcBef>
+              <a:spcAft>
+                <a:spcPts val="0"/>
+              </a:spcAft>
+              <a:buClr>
+                <a:schemeClr val="lt1"/>
+              </a:buClr>
+              <a:buSzPts val="3200"/>
+              <a:buFont typeface="Lexend Deca"/>
+              <a:buNone/>
+              <a:defRPr sz="3200" b="1" i="0" u="none" strike="noStrike" cap="none">
+                <a:solidFill>
+                  <a:schemeClr val="lt1"/>
+                </a:solidFill>
+                <a:latin typeface="Lexend Deca"/>
+                <a:ea typeface="Lexend Deca"/>
+                <a:cs typeface="Lexend Deca"/>
+                <a:sym typeface="Lexend Deca"/>
+              </a:defRPr>
+            </a:lvl1pPr>
+            <a:lvl2pPr marR="0" lvl="1" algn="l" rtl="0">
+              <a:lnSpc>
+                <a:spcPct val="100000"/>
+              </a:lnSpc>
+              <a:spcBef>
+                <a:spcPts val="0"/>
+              </a:spcBef>
+              <a:spcAft>
+                <a:spcPts val="0"/>
+              </a:spcAft>
+              <a:buClr>
+                <a:schemeClr val="lt1"/>
+              </a:buClr>
+              <a:buSzPts val="3200"/>
+              <a:buFont typeface="Lexend Deca"/>
+              <a:buNone/>
+              <a:defRPr sz="3200" b="1" i="0" u="none" strike="noStrike" cap="none">
+                <a:solidFill>
+                  <a:schemeClr val="lt1"/>
+                </a:solidFill>
+                <a:latin typeface="Lexend Deca"/>
+                <a:ea typeface="Lexend Deca"/>
+                <a:cs typeface="Lexend Deca"/>
+                <a:sym typeface="Lexend Deca"/>
+              </a:defRPr>
+            </a:lvl2pPr>
+            <a:lvl3pPr marR="0" lvl="2" algn="l" rtl="0">
+              <a:lnSpc>
+                <a:spcPct val="100000"/>
+              </a:lnSpc>
+              <a:spcBef>
+                <a:spcPts val="0"/>
+              </a:spcBef>
+              <a:spcAft>
+                <a:spcPts val="0"/>
+              </a:spcAft>
+              <a:buClr>
+                <a:schemeClr val="lt1"/>
+              </a:buClr>
+              <a:buSzPts val="3200"/>
+              <a:buFont typeface="Lexend Deca"/>
+              <a:buNone/>
+              <a:defRPr sz="3200" b="1" i="0" u="none" strike="noStrike" cap="none">
+                <a:solidFill>
+                  <a:schemeClr val="lt1"/>
+                </a:solidFill>
+                <a:latin typeface="Lexend Deca"/>
+                <a:ea typeface="Lexend Deca"/>
+                <a:cs typeface="Lexend Deca"/>
+                <a:sym typeface="Lexend Deca"/>
+              </a:defRPr>
+            </a:lvl3pPr>
+            <a:lvl4pPr marR="0" lvl="3" algn="l" rtl="0">
+              <a:lnSpc>
+                <a:spcPct val="100000"/>
+              </a:lnSpc>
+              <a:spcBef>
+                <a:spcPts val="0"/>
+              </a:spcBef>
+              <a:spcAft>
+                <a:spcPts val="0"/>
+              </a:spcAft>
+              <a:buClr>
+                <a:schemeClr val="lt1"/>
+              </a:buClr>
+              <a:buSzPts val="3200"/>
+              <a:buFont typeface="Lexend Deca"/>
+              <a:buNone/>
+              <a:defRPr sz="3200" b="1" i="0" u="none" strike="noStrike" cap="none">
+                <a:solidFill>
+                  <a:schemeClr val="lt1"/>
+                </a:solidFill>
+                <a:latin typeface="Lexend Deca"/>
+                <a:ea typeface="Lexend Deca"/>
+                <a:cs typeface="Lexend Deca"/>
+                <a:sym typeface="Lexend Deca"/>
+              </a:defRPr>
+            </a:lvl4pPr>
+            <a:lvl5pPr marR="0" lvl="4" algn="l" rtl="0">
+              <a:lnSpc>
+                <a:spcPct val="100000"/>
+              </a:lnSpc>
+              <a:spcBef>
+                <a:spcPts val="0"/>
+              </a:spcBef>
+              <a:spcAft>
+                <a:spcPts val="0"/>
+              </a:spcAft>
+              <a:buClr>
+                <a:schemeClr val="lt1"/>
+              </a:buClr>
+              <a:buSzPts val="3200"/>
+              <a:buFont typeface="Lexend Deca"/>
+              <a:buNone/>
+              <a:defRPr sz="3200" b="1" i="0" u="none" strike="noStrike" cap="none">
+                <a:solidFill>
+                  <a:schemeClr val="lt1"/>
+                </a:solidFill>
+                <a:latin typeface="Lexend Deca"/>
+                <a:ea typeface="Lexend Deca"/>
+                <a:cs typeface="Lexend Deca"/>
+                <a:sym typeface="Lexend Deca"/>
+              </a:defRPr>
+            </a:lvl5pPr>
+            <a:lvl6pPr marR="0" lvl="5" algn="l" rtl="0">
+              <a:lnSpc>
+                <a:spcPct val="100000"/>
+              </a:lnSpc>
+              <a:spcBef>
+                <a:spcPts val="0"/>
+              </a:spcBef>
+              <a:spcAft>
+                <a:spcPts val="0"/>
+              </a:spcAft>
+              <a:buClr>
+                <a:schemeClr val="lt1"/>
+              </a:buClr>
+              <a:buSzPts val="3200"/>
+              <a:buFont typeface="Lexend Deca"/>
+              <a:buNone/>
+              <a:defRPr sz="3200" b="1" i="0" u="none" strike="noStrike" cap="none">
+                <a:solidFill>
+                  <a:schemeClr val="lt1"/>
+                </a:solidFill>
+                <a:latin typeface="Lexend Deca"/>
+                <a:ea typeface="Lexend Deca"/>
+                <a:cs typeface="Lexend Deca"/>
+                <a:sym typeface="Lexend Deca"/>
+              </a:defRPr>
+            </a:lvl6pPr>
+            <a:lvl7pPr marR="0" lvl="6" algn="l" rtl="0">
+              <a:lnSpc>
+                <a:spcPct val="100000"/>
+              </a:lnSpc>
+              <a:spcBef>
+                <a:spcPts val="0"/>
+              </a:spcBef>
+              <a:spcAft>
+                <a:spcPts val="0"/>
+              </a:spcAft>
+              <a:buClr>
+                <a:schemeClr val="lt1"/>
+              </a:buClr>
+              <a:buSzPts val="3200"/>
+              <a:buFont typeface="Lexend Deca"/>
+              <a:buNone/>
+              <a:defRPr sz="3200" b="1" i="0" u="none" strike="noStrike" cap="none">
+                <a:solidFill>
+                  <a:schemeClr val="lt1"/>
+                </a:solidFill>
+                <a:latin typeface="Lexend Deca"/>
+                <a:ea typeface="Lexend Deca"/>
+                <a:cs typeface="Lexend Deca"/>
+                <a:sym typeface="Lexend Deca"/>
+              </a:defRPr>
+            </a:lvl7pPr>
+            <a:lvl8pPr marR="0" lvl="7" algn="l" rtl="0">
+              <a:lnSpc>
+                <a:spcPct val="100000"/>
+              </a:lnSpc>
+              <a:spcBef>
+                <a:spcPts val="0"/>
+              </a:spcBef>
+              <a:spcAft>
+                <a:spcPts val="0"/>
+              </a:spcAft>
+              <a:buClr>
+                <a:schemeClr val="lt1"/>
+              </a:buClr>
+              <a:buSzPts val="3200"/>
+              <a:buFont typeface="Lexend Deca"/>
+              <a:buNone/>
+              <a:defRPr sz="3200" b="1" i="0" u="none" strike="noStrike" cap="none">
+                <a:solidFill>
+                  <a:schemeClr val="lt1"/>
+                </a:solidFill>
+                <a:latin typeface="Lexend Deca"/>
+                <a:ea typeface="Lexend Deca"/>
+                <a:cs typeface="Lexend Deca"/>
+                <a:sym typeface="Lexend Deca"/>
+              </a:defRPr>
+            </a:lvl8pPr>
+            <a:lvl9pPr marR="0" lvl="8" algn="l" rtl="0">
+              <a:lnSpc>
+                <a:spcPct val="100000"/>
+              </a:lnSpc>
+              <a:spcBef>
+                <a:spcPts val="0"/>
+              </a:spcBef>
+              <a:spcAft>
+                <a:spcPts val="0"/>
+              </a:spcAft>
+              <a:buClr>
+                <a:schemeClr val="lt1"/>
+              </a:buClr>
+              <a:buSzPts val="3200"/>
+              <a:buFont typeface="Lexend Deca"/>
+              <a:buNone/>
+              <a:defRPr sz="3200" b="1" i="0" u="none" strike="noStrike" cap="none">
+                <a:solidFill>
+                  <a:schemeClr val="lt1"/>
+                </a:solidFill>
+                <a:latin typeface="Lexend Deca"/>
+                <a:ea typeface="Lexend Deca"/>
+                <a:cs typeface="Lexend Deca"/>
+                <a:sym typeface="Lexend Deca"/>
+              </a:defRPr>
+            </a:lvl9pPr>
+          </a:lstStyle>
+          <a:p>
+            <a:pPr marL="0" marR="0" lvl="0" indent="0" algn="l" defTabSz="914400" rtl="0" eaLnBrk="1" fontAlgn="auto" latinLnBrk="0" hangingPunct="1">
+              <a:lnSpc>
+                <a:spcPct val="100000"/>
+              </a:lnSpc>
+              <a:spcBef>
+                <a:spcPts val="0"/>
+              </a:spcBef>
+              <a:spcAft>
+                <a:spcPts val="0"/>
+              </a:spcAft>
+              <a:buClr>
+                <a:srgbClr val="FFFFFF"/>
+              </a:buClr>
+              <a:buSzPts val="3200"/>
+              <a:buFont typeface="Lexend Deca"/>
+              <a:buNone/>
+              <a:tabLst/>
+              <a:defRPr/>
+            </a:pPr>
+            <a:r>
+              <a:rPr kumimoji="0" lang="en-US" sz="4000" b="1" i="0" u="none" strike="noStrike" kern="0" cap="none" spc="0" normalizeH="0" baseline="0" noProof="0" dirty="0">
+                <a:ln>
+                  <a:noFill/>
+                </a:ln>
+                <a:solidFill>
+                  <a:srgbClr val="FFFFFF"/>
+                </a:solidFill>
+                <a:effectLst/>
+                <a:uLnTx/>
+                <a:uFillTx/>
+                <a:latin typeface="Lexend Deca"/>
+                <a:cs typeface="Lexend Deca"/>
+                <a:sym typeface="Lexend Deca"/>
+              </a:rPr>
+              <a:t>What is Breadwinner?</a:t>
+            </a:r>
+          </a:p>
+        </p:txBody>
+      </p:sp>
+      <p:sp>
+        <p:nvSpPr>
+          <p:cNvPr id="13" name="Google Shape;104;p18">
+            <a:extLst>
+              <a:ext uri="{FF2B5EF4-FFF2-40B4-BE49-F238E27FC236}">
+                <a16:creationId xmlns:a16="http://schemas.microsoft.com/office/drawing/2014/main" id="{FCB176E6-57C2-490B-9F09-2242E648D541}"/>
+              </a:ext>
+            </a:extLst>
+          </p:cNvPr>
+          <p:cNvSpPr txBox="1">
+            <a:spLocks/>
+          </p:cNvSpPr>
+          <p:nvPr/>
+        </p:nvSpPr>
+        <p:spPr>
+          <a:xfrm>
+            <a:off x="190105" y="927487"/>
+            <a:ext cx="5572174" cy="2209500"/>
+          </a:xfrm>
+          <a:prstGeom prst="rect">
+            <a:avLst/>
+          </a:prstGeom>
+          <a:noFill/>
+          <a:ln>
+            <a:noFill/>
+          </a:ln>
+        </p:spPr>
+        <p:txBody>
+          <a:bodyPr spcFirstLastPara="1" wrap="square" lIns="0" tIns="0" rIns="0" bIns="0" anchor="t" anchorCtr="0">
+            <a:noAutofit/>
+          </a:bodyPr>
+          <a:lstStyle>
+            <a:defPPr marR="0" lvl="0" algn="l" rtl="0">
+              <a:lnSpc>
+                <a:spcPct val="100000"/>
+              </a:lnSpc>
+              <a:spcBef>
+                <a:spcPts val="0"/>
+              </a:spcBef>
+              <a:spcAft>
+                <a:spcPts val="0"/>
+              </a:spcAft>
+            </a:defPPr>
+            <a:lvl1pPr marL="457200" marR="0" lvl="0" indent="-342900" algn="l" rtl="0">
+              <a:lnSpc>
+                <a:spcPct val="115000"/>
+              </a:lnSpc>
+              <a:spcBef>
+                <a:spcPts val="0"/>
+              </a:spcBef>
+              <a:spcAft>
+                <a:spcPts val="0"/>
+              </a:spcAft>
+              <a:buClr>
+                <a:schemeClr val="accent4"/>
+              </a:buClr>
+              <a:buSzPts val="1800"/>
+              <a:buFont typeface="Muli Regular"/>
+              <a:buNone/>
+              <a:defRPr sz="1800" b="0" i="0" u="none" strike="noStrike" cap="none">
+                <a:solidFill>
+                  <a:schemeClr val="accent4"/>
+                </a:solidFill>
+                <a:latin typeface="Muli Regular"/>
+                <a:ea typeface="Muli Regular"/>
+                <a:cs typeface="Muli Regular"/>
+                <a:sym typeface="Muli Regular"/>
+              </a:defRPr>
+            </a:lvl1pPr>
+            <a:lvl2pPr marL="914400" marR="0" lvl="1" indent="-381000" algn="l" rtl="0">
+              <a:lnSpc>
+                <a:spcPct val="115000"/>
+              </a:lnSpc>
+              <a:spcBef>
+                <a:spcPts val="0"/>
+              </a:spcBef>
+              <a:spcAft>
+                <a:spcPts val="0"/>
+              </a:spcAft>
+              <a:buClr>
+                <a:schemeClr val="accent4"/>
+              </a:buClr>
+              <a:buSzPts val="1800"/>
+              <a:buFont typeface="Muli Regular"/>
+              <a:buNone/>
+              <a:defRPr sz="1800" b="0" i="0" u="none" strike="noStrike" cap="none">
+                <a:solidFill>
+                  <a:schemeClr val="accent4"/>
+                </a:solidFill>
+                <a:latin typeface="Muli Regular"/>
+                <a:ea typeface="Muli Regular"/>
+                <a:cs typeface="Muli Regular"/>
+                <a:sym typeface="Muli Regular"/>
+              </a:defRPr>
+            </a:lvl2pPr>
+            <a:lvl3pPr marL="1371600" marR="0" lvl="2" indent="-381000" algn="l" rtl="0">
+              <a:lnSpc>
+                <a:spcPct val="115000"/>
+              </a:lnSpc>
+              <a:spcBef>
+                <a:spcPts val="0"/>
+              </a:spcBef>
+              <a:spcAft>
+                <a:spcPts val="0"/>
+              </a:spcAft>
+              <a:buClr>
+                <a:schemeClr val="accent4"/>
+              </a:buClr>
+              <a:buSzPts val="1800"/>
+              <a:buFont typeface="Muli Regular"/>
+              <a:buNone/>
+              <a:defRPr sz="1800" b="0" i="0" u="none" strike="noStrike" cap="none">
+                <a:solidFill>
+                  <a:schemeClr val="accent4"/>
+                </a:solidFill>
+                <a:latin typeface="Muli Regular"/>
+                <a:ea typeface="Muli Regular"/>
+                <a:cs typeface="Muli Regular"/>
+                <a:sym typeface="Muli Regular"/>
+              </a:defRPr>
+            </a:lvl3pPr>
+            <a:lvl4pPr marL="1828800" marR="0" lvl="3" indent="-381000" algn="l" rtl="0">
+              <a:lnSpc>
+                <a:spcPct val="115000"/>
+              </a:lnSpc>
+              <a:spcBef>
+                <a:spcPts val="0"/>
+              </a:spcBef>
+              <a:spcAft>
+                <a:spcPts val="0"/>
+              </a:spcAft>
+              <a:buClr>
+                <a:schemeClr val="accent4"/>
+              </a:buClr>
+              <a:buSzPts val="1800"/>
+              <a:buFont typeface="Muli Regular"/>
+              <a:buNone/>
+              <a:defRPr sz="1800" b="0" i="0" u="none" strike="noStrike" cap="none">
+                <a:solidFill>
+                  <a:schemeClr val="accent4"/>
+                </a:solidFill>
+                <a:latin typeface="Muli Regular"/>
+                <a:ea typeface="Muli Regular"/>
+                <a:cs typeface="Muli Regular"/>
+                <a:sym typeface="Muli Regular"/>
+              </a:defRPr>
+            </a:lvl4pPr>
+            <a:lvl5pPr marL="2286000" marR="0" lvl="4" indent="-381000" algn="l" rtl="0">
+              <a:lnSpc>
+                <a:spcPct val="115000"/>
+              </a:lnSpc>
+              <a:spcBef>
+                <a:spcPts val="0"/>
+              </a:spcBef>
+              <a:spcAft>
+                <a:spcPts val="0"/>
+              </a:spcAft>
+              <a:buClr>
+                <a:schemeClr val="accent4"/>
+              </a:buClr>
+              <a:buSzPts val="1800"/>
+              <a:buFont typeface="Muli Regular"/>
+              <a:buNone/>
+              <a:defRPr sz="1800" b="0" i="0" u="none" strike="noStrike" cap="none">
+                <a:solidFill>
+                  <a:schemeClr val="accent4"/>
+                </a:solidFill>
+                <a:latin typeface="Muli Regular"/>
+                <a:ea typeface="Muli Regular"/>
+                <a:cs typeface="Muli Regular"/>
+                <a:sym typeface="Muli Regular"/>
+              </a:defRPr>
+            </a:lvl5pPr>
+            <a:lvl6pPr marL="2743200" marR="0" lvl="5" indent="-381000" algn="l" rtl="0">
+              <a:lnSpc>
+                <a:spcPct val="115000"/>
+              </a:lnSpc>
+              <a:spcBef>
+                <a:spcPts val="0"/>
+              </a:spcBef>
+              <a:spcAft>
+                <a:spcPts val="0"/>
+              </a:spcAft>
+              <a:buClr>
+                <a:schemeClr val="accent4"/>
+              </a:buClr>
+              <a:buSzPts val="1800"/>
+              <a:buFont typeface="Muli Regular"/>
+              <a:buNone/>
+              <a:defRPr sz="1800" b="0" i="0" u="none" strike="noStrike" cap="none">
+                <a:solidFill>
+                  <a:schemeClr val="accent4"/>
+                </a:solidFill>
+                <a:latin typeface="Muli Regular"/>
+                <a:ea typeface="Muli Regular"/>
+                <a:cs typeface="Muli Regular"/>
+                <a:sym typeface="Muli Regular"/>
+              </a:defRPr>
+            </a:lvl6pPr>
+            <a:lvl7pPr marL="3200400" marR="0" lvl="6" indent="-381000" algn="l" rtl="0">
+              <a:lnSpc>
+                <a:spcPct val="115000"/>
+              </a:lnSpc>
+              <a:spcBef>
+                <a:spcPts val="0"/>
+              </a:spcBef>
+              <a:spcAft>
+                <a:spcPts val="0"/>
+              </a:spcAft>
+              <a:buClr>
+                <a:schemeClr val="accent4"/>
+              </a:buClr>
+              <a:buSzPts val="1800"/>
+              <a:buFont typeface="Muli Regular"/>
+              <a:buNone/>
+              <a:defRPr sz="1800" b="0" i="0" u="none" strike="noStrike" cap="none">
+                <a:solidFill>
+                  <a:schemeClr val="accent4"/>
+                </a:solidFill>
+                <a:latin typeface="Muli Regular"/>
+                <a:ea typeface="Muli Regular"/>
+                <a:cs typeface="Muli Regular"/>
+                <a:sym typeface="Muli Regular"/>
+              </a:defRPr>
+            </a:lvl7pPr>
+            <a:lvl8pPr marL="3657600" marR="0" lvl="7" indent="-381000" algn="l" rtl="0">
+              <a:lnSpc>
+                <a:spcPct val="115000"/>
+              </a:lnSpc>
+              <a:spcBef>
+                <a:spcPts val="0"/>
+              </a:spcBef>
+              <a:spcAft>
+                <a:spcPts val="0"/>
+              </a:spcAft>
+              <a:buClr>
+                <a:schemeClr val="accent4"/>
+              </a:buClr>
+              <a:buSzPts val="1800"/>
+              <a:buFont typeface="Muli Regular"/>
+              <a:buNone/>
+              <a:defRPr sz="1800" b="0" i="0" u="none" strike="noStrike" cap="none">
+                <a:solidFill>
+                  <a:schemeClr val="accent4"/>
+                </a:solidFill>
+                <a:latin typeface="Muli Regular"/>
+                <a:ea typeface="Muli Regular"/>
+                <a:cs typeface="Muli Regular"/>
+                <a:sym typeface="Muli Regular"/>
+              </a:defRPr>
+            </a:lvl8pPr>
+            <a:lvl9pPr marL="4114800" marR="0" lvl="8" indent="-381000" algn="l" rtl="0">
+              <a:lnSpc>
+                <a:spcPct val="115000"/>
+              </a:lnSpc>
+              <a:spcBef>
+                <a:spcPts val="0"/>
+              </a:spcBef>
+              <a:spcAft>
+                <a:spcPts val="0"/>
+              </a:spcAft>
+              <a:buClr>
+                <a:schemeClr val="accent4"/>
+              </a:buClr>
+              <a:buSzPts val="1800"/>
+              <a:buFont typeface="Muli Regular"/>
+              <a:buNone/>
+              <a:defRPr sz="1800" b="0" i="0" u="none" strike="noStrike" cap="none">
+                <a:solidFill>
+                  <a:schemeClr val="accent4"/>
+                </a:solidFill>
+                <a:latin typeface="Muli Regular"/>
+                <a:ea typeface="Muli Regular"/>
+                <a:cs typeface="Muli Regular"/>
+                <a:sym typeface="Muli Regular"/>
+              </a:defRPr>
+            </a:lvl9pPr>
+          </a:lstStyle>
+          <a:p>
+            <a:pPr marL="457200" marR="0" lvl="0" indent="-381000" algn="l" defTabSz="914400" rtl="0" eaLnBrk="1" fontAlgn="auto" latinLnBrk="0" hangingPunct="1">
+              <a:lnSpc>
+                <a:spcPct val="115000"/>
+              </a:lnSpc>
+              <a:spcBef>
+                <a:spcPts val="600"/>
+              </a:spcBef>
+              <a:spcAft>
+                <a:spcPts val="0"/>
+              </a:spcAft>
+              <a:buClr>
+                <a:srgbClr val="00FFFF"/>
+              </a:buClr>
+              <a:buSzPts val="2400"/>
+              <a:buFont typeface="Muli Regular"/>
+              <a:buChar char="⬡"/>
+              <a:tabLst/>
+              <a:defRPr/>
+            </a:pPr>
+            <a:r>
+              <a:rPr lang="en-US" sz="2800" dirty="0">
+                <a:solidFill>
+                  <a:srgbClr val="FFFFFF"/>
+                </a:solidFill>
+              </a:rPr>
+              <a:t>Secure distributed &amp; outsourced processing cloud platform</a:t>
+            </a:r>
+            <a:endParaRPr kumimoji="0" lang="en-US" sz="2800" b="0" i="0" u="none" strike="noStrike" kern="0" cap="none" spc="0" normalizeH="0" baseline="0" noProof="0" dirty="0">
+              <a:ln>
+                <a:noFill/>
+              </a:ln>
+              <a:solidFill>
+                <a:srgbClr val="FFFFFF"/>
+              </a:solidFill>
+              <a:effectLst/>
+              <a:uLnTx/>
+              <a:uFillTx/>
+              <a:latin typeface="Muli Regular"/>
+              <a:sym typeface="Muli Regular"/>
+            </a:endParaRPr>
+          </a:p>
+          <a:p>
+            <a:pPr marL="457200" marR="0" lvl="0" indent="-381000" algn="l" defTabSz="914400" rtl="0" eaLnBrk="1" fontAlgn="auto" latinLnBrk="0" hangingPunct="1">
+              <a:lnSpc>
+                <a:spcPct val="115000"/>
+              </a:lnSpc>
+              <a:spcBef>
+                <a:spcPts val="600"/>
+              </a:spcBef>
+              <a:spcAft>
+                <a:spcPts val="0"/>
+              </a:spcAft>
+              <a:buClr>
+                <a:srgbClr val="00FFFF"/>
+              </a:buClr>
+              <a:buSzPts val="2400"/>
+              <a:buFont typeface="Muli Regular"/>
+              <a:buChar char="⬡"/>
+              <a:tabLst/>
+              <a:defRPr/>
+            </a:pPr>
+            <a:r>
+              <a:rPr lang="en-US" sz="2800" dirty="0">
+                <a:solidFill>
+                  <a:srgbClr val="FFFFFF"/>
+                </a:solidFill>
+              </a:rPr>
+              <a:t>Uses Fully Homomorphic Encryption to solve cloud privacy &amp; processing conflict</a:t>
+            </a:r>
+          </a:p>
+          <a:p>
+            <a:pPr marL="457200" marR="0" lvl="0" indent="-381000" algn="l" defTabSz="914400" rtl="0" eaLnBrk="1" fontAlgn="auto" latinLnBrk="0" hangingPunct="1">
+              <a:lnSpc>
+                <a:spcPct val="115000"/>
+              </a:lnSpc>
+              <a:spcBef>
+                <a:spcPts val="600"/>
+              </a:spcBef>
+              <a:spcAft>
+                <a:spcPts val="0"/>
+              </a:spcAft>
+              <a:buClr>
+                <a:srgbClr val="00FFFF"/>
+              </a:buClr>
+              <a:buSzPts val="2400"/>
+              <a:buFont typeface="Muli Regular"/>
+              <a:buChar char="⬡"/>
+              <a:tabLst/>
+              <a:defRPr/>
+            </a:pPr>
+            <a:r>
+              <a:rPr lang="en-US" sz="2800" dirty="0">
+                <a:solidFill>
+                  <a:srgbClr val="FFFFFF"/>
+                </a:solidFill>
+              </a:rPr>
+              <a:t>Offers alternative web </a:t>
+            </a:r>
+            <a:r>
+              <a:rPr lang="en-US" sz="2800">
+                <a:solidFill>
+                  <a:srgbClr val="FFFFFF"/>
+                </a:solidFill>
+              </a:rPr>
+              <a:t>monetization scheme</a:t>
+            </a:r>
+            <a:endParaRPr kumimoji="0" lang="en-US" sz="2800" b="0" i="0" u="none" strike="noStrike" kern="0" cap="none" spc="0" normalizeH="0" baseline="0" noProof="0" dirty="0">
+              <a:ln>
+                <a:noFill/>
+              </a:ln>
+              <a:solidFill>
+                <a:srgbClr val="FFFFFF"/>
+              </a:solidFill>
+              <a:effectLst/>
+              <a:uLnTx/>
+              <a:uFillTx/>
+              <a:latin typeface="Muli Regular"/>
+              <a:sym typeface="Muli Regular"/>
+            </a:endParaRPr>
+          </a:p>
+        </p:txBody>
+      </p:sp>
+      <p:pic>
+        <p:nvPicPr>
+          <p:cNvPr id="8" name="Picture 7" descr="Text&#10;&#10;Description automatically generated with low confidence">
+            <a:extLst>
+              <a:ext uri="{FF2B5EF4-FFF2-40B4-BE49-F238E27FC236}">
+                <a16:creationId xmlns:a16="http://schemas.microsoft.com/office/drawing/2014/main" id="{B40C6C75-9477-166A-EB40-6AB7DBA5347F}"/>
+              </a:ext>
+            </a:extLst>
+          </p:cNvPr>
+          <p:cNvPicPr>
+            <a:picLocks noChangeAspect="1"/>
+          </p:cNvPicPr>
+          <p:nvPr/>
+        </p:nvPicPr>
+        <p:blipFill>
+          <a:blip r:embed="rId4"/>
+          <a:stretch>
+            <a:fillRect/>
+          </a:stretch>
+        </p:blipFill>
+        <p:spPr>
+          <a:xfrm>
+            <a:off x="6198113" y="1923004"/>
+            <a:ext cx="2060721" cy="1297492"/>
+          </a:xfrm>
+          <a:prstGeom prst="rect">
+            <a:avLst/>
+          </a:prstGeom>
+        </p:spPr>
+      </p:pic>
+    </p:spTree>
+    <p:extLst>
+      <p:ext uri="{BB962C8B-B14F-4D97-AF65-F5344CB8AC3E}">
+        <p14:creationId xmlns:p14="http://schemas.microsoft.com/office/powerpoint/2010/main" val="2089460598"/>
+      </p:ext>
+    </p:extLst>
   </p:cSld>
   <p:clrMapOvr>
     <a:masterClrMapping/>

--- a/Presentation.pptx
+++ b/Presentation.pptx
@@ -6,7 +6,7 @@
     <p:sldMasterId id="2147483660" r:id="rId2"/>
   </p:sldMasterIdLst>
   <p:notesMasterIdLst>
-    <p:notesMasterId r:id="rId15"/>
+    <p:notesMasterId r:id="rId16"/>
   </p:notesMasterIdLst>
   <p:sldIdLst>
     <p:sldId id="317" r:id="rId3"/>
@@ -19,26 +19,27 @@
     <p:sldId id="304" r:id="rId10"/>
     <p:sldId id="307" r:id="rId11"/>
     <p:sldId id="257" r:id="rId12"/>
-    <p:sldId id="297" r:id="rId13"/>
-    <p:sldId id="308" r:id="rId14"/>
+    <p:sldId id="318" r:id="rId13"/>
+    <p:sldId id="297" r:id="rId14"/>
+    <p:sldId id="308" r:id="rId15"/>
   </p:sldIdLst>
   <p:sldSz cx="9144000" cy="5143500" type="screen16x9"/>
   <p:notesSz cx="6858000" cy="9144000"/>
   <p:embeddedFontLst>
     <p:embeddedFont>
       <p:font typeface="Lexend Deca" panose="020B0604020202020204" charset="-78"/>
-      <p:regular r:id="rId16"/>
+      <p:regular r:id="rId17"/>
     </p:embeddedFont>
     <p:embeddedFont>
       <p:font typeface="Muli" panose="02000503000000000000" pitchFamily="2" charset="0"/>
-      <p:regular r:id="rId17"/>
+      <p:regular r:id="rId18"/>
     </p:embeddedFont>
     <p:embeddedFont>
       <p:font typeface="Muli Regular" panose="020B0604020202020204" charset="0"/>
-      <p:regular r:id="rId18"/>
-      <p:bold r:id="rId19"/>
-      <p:italic r:id="rId20"/>
-      <p:boldItalic r:id="rId21"/>
+      <p:regular r:id="rId19"/>
+      <p:bold r:id="rId20"/>
+      <p:italic r:id="rId21"/>
+      <p:boldItalic r:id="rId22"/>
     </p:embeddedFont>
   </p:embeddedFontLst>
   <p:defaultTextStyle>
@@ -1118,6 +1119,217 @@
               <a:buNone/>
             </a:pPr>
             <a:r>
+              <a:rPr lang="en-US" sz="1100" dirty="0">
+                <a:solidFill>
+                  <a:schemeClr val="bg1"/>
+                </a:solidFill>
+              </a:rPr>
+              <a:t>I’ll briefly cover the CIA triad.</a:t>
+            </a:r>
+          </a:p>
+          <a:p>
+            <a:pPr marL="0" lvl="0" indent="0" algn="l" rtl="0">
+              <a:spcBef>
+                <a:spcPts val="0"/>
+              </a:spcBef>
+              <a:spcAft>
+                <a:spcPts val="0"/>
+              </a:spcAft>
+              <a:buNone/>
+            </a:pPr>
+            <a:r>
+              <a:rPr lang="en-US" sz="1100" dirty="0">
+                <a:solidFill>
+                  <a:schemeClr val="bg1"/>
+                </a:solidFill>
+              </a:rPr>
+              <a:t>For confidentiality we rely on FHE to encrypt data, but also TLS to encrypt the communication between frontend and backend, thanks to HTTPS, but also between web modules and backend, thanks to WSS. </a:t>
+            </a:r>
+          </a:p>
+          <a:p>
+            <a:pPr marL="0" lvl="0" indent="0" algn="l" rtl="0">
+              <a:spcBef>
+                <a:spcPts val="0"/>
+              </a:spcBef>
+              <a:spcAft>
+                <a:spcPts val="0"/>
+              </a:spcAft>
+              <a:buNone/>
+            </a:pPr>
+            <a:r>
+              <a:rPr lang="en-US" sz="1100" dirty="0">
+                <a:solidFill>
+                  <a:schemeClr val="bg1"/>
+                </a:solidFill>
+              </a:rPr>
+              <a:t>The platform has strong access control validations implemented within. For instance, the backend only allows users to access their resources, based on their associated session.</a:t>
+            </a:r>
+          </a:p>
+          <a:p>
+            <a:pPr marL="0" lvl="0" indent="0" algn="l" rtl="0">
+              <a:spcBef>
+                <a:spcPts val="0"/>
+              </a:spcBef>
+              <a:spcAft>
+                <a:spcPts val="0"/>
+              </a:spcAft>
+              <a:buNone/>
+            </a:pPr>
+            <a:r>
+              <a:rPr lang="en-US" sz="1100" dirty="0">
+                <a:solidFill>
+                  <a:schemeClr val="bg1"/>
+                </a:solidFill>
+              </a:rPr>
+              <a:t>Argon2 is a password hashing and salting algorithm recommended by OWASP.</a:t>
+            </a:r>
+          </a:p>
+          <a:p>
+            <a:pPr marL="0" lvl="0" indent="0" algn="l" rtl="0">
+              <a:spcBef>
+                <a:spcPts val="0"/>
+              </a:spcBef>
+              <a:spcAft>
+                <a:spcPts val="0"/>
+              </a:spcAft>
+              <a:buNone/>
+            </a:pPr>
+            <a:r>
+              <a:rPr lang="en-US" sz="1100" dirty="0">
+                <a:solidFill>
+                  <a:schemeClr val="bg1"/>
+                </a:solidFill>
+              </a:rPr>
+              <a:t>In terms of integrity, TLS ensures it through message digests. Validations are implemented both on FE and BE. Lastly, when a data chunk is sent from backend to a web module, it is accompanied by a random token that is verified upon receiving the output, this pattern does not allow for unsolicited outputs.</a:t>
+            </a:r>
+          </a:p>
+          <a:p>
+            <a:pPr marL="0" lvl="0" indent="0" algn="l" rtl="0">
+              <a:spcBef>
+                <a:spcPts val="0"/>
+              </a:spcBef>
+              <a:spcAft>
+                <a:spcPts val="0"/>
+              </a:spcAft>
+              <a:buNone/>
+            </a:pPr>
+            <a:r>
+              <a:rPr lang="en-US" sz="1100" dirty="0">
+                <a:solidFill>
+                  <a:schemeClr val="bg1"/>
+                </a:solidFill>
+              </a:rPr>
+              <a:t>For availability, the main way in which this is achieved is through load balancing the servers. Additionally, since the Internet provides plenty of devices that can do processing, it adds fault tolerance.</a:t>
+            </a:r>
+          </a:p>
+        </p:txBody>
+      </p:sp>
+    </p:spTree>
+    <p:extLst>
+      <p:ext uri="{BB962C8B-B14F-4D97-AF65-F5344CB8AC3E}">
+        <p14:creationId xmlns:p14="http://schemas.microsoft.com/office/powerpoint/2010/main" val="403495629"/>
+      </p:ext>
+    </p:extLst>
+  </p:cSld>
+  <p:clrMapOvr>
+    <a:masterClrMapping/>
+  </p:clrMapOvr>
+</p:notes>
+</file>
+
+<file path=ppt/notesSlides/notesSlide12.xml><?xml version="1.0" encoding="utf-8"?>
+<p:notes xmlns:a="http://schemas.openxmlformats.org/drawingml/2006/main" xmlns:r="http://schemas.openxmlformats.org/officeDocument/2006/relationships" xmlns:p="http://schemas.openxmlformats.org/presentationml/2006/main" showMasterSp="0" showMasterPhAnim="0">
+  <p:cSld>
+    <p:spTree>
+      <p:nvGrpSpPr>
+        <p:cNvPr id="1" name="Shape 99"/>
+        <p:cNvGrpSpPr/>
+        <p:nvPr/>
+      </p:nvGrpSpPr>
+      <p:grpSpPr>
+        <a:xfrm>
+          <a:off x="0" y="0"/>
+          <a:ext cx="0" cy="0"/>
+          <a:chOff x="0" y="0"/>
+          <a:chExt cx="0" cy="0"/>
+        </a:xfrm>
+      </p:grpSpPr>
+      <p:sp>
+        <p:nvSpPr>
+          <p:cNvPr id="100" name="Google Shape;100;p:notes"/>
+          <p:cNvSpPr>
+            <a:spLocks noGrp="1" noRot="1" noChangeAspect="1"/>
+          </p:cNvSpPr>
+          <p:nvPr>
+            <p:ph type="sldImg" idx="2"/>
+          </p:nvPr>
+        </p:nvSpPr>
+        <p:spPr>
+          <a:xfrm>
+            <a:off x="381000" y="685800"/>
+            <a:ext cx="6096000" cy="3429000"/>
+          </a:xfrm>
+          <a:custGeom>
+            <a:avLst/>
+            <a:gdLst/>
+            <a:ahLst/>
+            <a:cxnLst/>
+            <a:rect l="l" t="t" r="r" b="b"/>
+            <a:pathLst>
+              <a:path w="120000" h="120000" extrusionOk="0">
+                <a:moveTo>
+                  <a:pt x="0" y="0"/>
+                </a:moveTo>
+                <a:lnTo>
+                  <a:pt x="120000" y="0"/>
+                </a:lnTo>
+                <a:lnTo>
+                  <a:pt x="120000" y="120000"/>
+                </a:lnTo>
+                <a:lnTo>
+                  <a:pt x="0" y="120000"/>
+                </a:lnTo>
+                <a:close/>
+              </a:path>
+            </a:pathLst>
+          </a:custGeom>
+        </p:spPr>
+      </p:sp>
+      <p:sp>
+        <p:nvSpPr>
+          <p:cNvPr id="101" name="Google Shape;101;p:notes"/>
+          <p:cNvSpPr txBox="1">
+            <a:spLocks noGrp="1"/>
+          </p:cNvSpPr>
+          <p:nvPr>
+            <p:ph type="body" idx="1"/>
+          </p:nvPr>
+        </p:nvSpPr>
+        <p:spPr>
+          <a:xfrm>
+            <a:off x="685800" y="4343400"/>
+            <a:ext cx="5486400" cy="4114800"/>
+          </a:xfrm>
+          <a:prstGeom prst="rect">
+            <a:avLst/>
+          </a:prstGeom>
+        </p:spPr>
+        <p:txBody>
+          <a:bodyPr spcFirstLastPara="1" wrap="square" lIns="91425" tIns="91425" rIns="91425" bIns="91425" anchor="t" anchorCtr="0">
+            <a:noAutofit/>
+          </a:bodyPr>
+          <a:lstStyle/>
+          <a:p>
+            <a:pPr marL="0" lvl="0" indent="0" algn="l" rtl="0">
+              <a:spcBef>
+                <a:spcPts val="0"/>
+              </a:spcBef>
+              <a:spcAft>
+                <a:spcPts val="0"/>
+              </a:spcAft>
+              <a:buNone/>
+            </a:pPr>
+            <a:r>
               <a:rPr lang="en-US" dirty="0"/>
               <a:t>In conclusion, the technical viability of the project has been proved.</a:t>
             </a:r>
@@ -1198,7 +1410,7 @@
 </p:notes>
 </file>
 
-<file path=ppt/notesSlides/notesSlide12.xml><?xml version="1.0" encoding="utf-8"?>
+<file path=ppt/notesSlides/notesSlide13.xml><?xml version="1.0" encoding="utf-8"?>
 <p:notes xmlns:a="http://schemas.openxmlformats.org/drawingml/2006/main" xmlns:r="http://schemas.openxmlformats.org/officeDocument/2006/relationships" xmlns:p="http://schemas.openxmlformats.org/presentationml/2006/main" showMasterSp="0" showMasterPhAnim="0">
   <p:cSld>
     <p:spTree>
@@ -10122,6 +10334,195 @@
         </p:nvSpPr>
         <p:spPr>
           <a:xfrm>
+            <a:off x="224203" y="0"/>
+            <a:ext cx="6014400" cy="857400"/>
+          </a:xfrm>
+          <a:prstGeom prst="rect">
+            <a:avLst/>
+          </a:prstGeom>
+        </p:spPr>
+        <p:txBody>
+          <a:bodyPr spcFirstLastPara="1" wrap="square" lIns="0" tIns="0" rIns="0" bIns="0" anchor="b" anchorCtr="0">
+            <a:noAutofit/>
+          </a:bodyPr>
+          <a:lstStyle/>
+          <a:p>
+            <a:pPr marL="0" lvl="0" indent="0" algn="l" rtl="0">
+              <a:spcBef>
+                <a:spcPts val="0"/>
+              </a:spcBef>
+              <a:spcAft>
+                <a:spcPts val="0"/>
+              </a:spcAft>
+              <a:buNone/>
+            </a:pPr>
+            <a:r>
+              <a:rPr lang="en-US" sz="4000" dirty="0"/>
+              <a:t>Security considerations</a:t>
+            </a:r>
+            <a:endParaRPr sz="4000" dirty="0"/>
+          </a:p>
+        </p:txBody>
+      </p:sp>
+      <p:sp>
+        <p:nvSpPr>
+          <p:cNvPr id="104" name="Google Shape;104;p18"/>
+          <p:cNvSpPr txBox="1">
+            <a:spLocks noGrp="1"/>
+          </p:cNvSpPr>
+          <p:nvPr>
+            <p:ph type="body" idx="1"/>
+          </p:nvPr>
+        </p:nvSpPr>
+        <p:spPr>
+          <a:xfrm>
+            <a:off x="280843" y="857400"/>
+            <a:ext cx="7872158" cy="2209500"/>
+          </a:xfrm>
+          <a:prstGeom prst="rect">
+            <a:avLst/>
+          </a:prstGeom>
+        </p:spPr>
+        <p:txBody>
+          <a:bodyPr spcFirstLastPara="1" wrap="square" lIns="0" tIns="0" rIns="0" bIns="0" anchor="t" anchorCtr="0">
+            <a:noAutofit/>
+          </a:bodyPr>
+          <a:lstStyle/>
+          <a:p>
+            <a:pPr marL="457200" lvl="0" indent="-381000" algn="l" rtl="0">
+              <a:spcBef>
+                <a:spcPts val="600"/>
+              </a:spcBef>
+              <a:spcAft>
+                <a:spcPts val="0"/>
+              </a:spcAft>
+              <a:buSzPts val="2400"/>
+              <a:buChar char="⬡"/>
+            </a:pPr>
+            <a:r>
+              <a:rPr lang="en-US" sz="3200" dirty="0"/>
+              <a:t>Confidentiality – FHE, TLS, Access Control (Sessions), Argon2</a:t>
+            </a:r>
+            <a:endParaRPr sz="3200" dirty="0"/>
+          </a:p>
+          <a:p>
+            <a:pPr marL="457200" lvl="0" indent="-381000" algn="l" rtl="0">
+              <a:spcBef>
+                <a:spcPts val="0"/>
+              </a:spcBef>
+              <a:spcAft>
+                <a:spcPts val="0"/>
+              </a:spcAft>
+              <a:buSzPts val="2400"/>
+              <a:buChar char="⬡"/>
+            </a:pPr>
+            <a:r>
+              <a:rPr lang="en-US" sz="3200" dirty="0"/>
+              <a:t>Integrity – TLS, FE &amp; BE validations, tokens when sending data chunks to web modules</a:t>
+            </a:r>
+          </a:p>
+          <a:p>
+            <a:pPr marL="457200" lvl="0" indent="-381000" algn="l" rtl="0">
+              <a:spcBef>
+                <a:spcPts val="0"/>
+              </a:spcBef>
+              <a:spcAft>
+                <a:spcPts val="0"/>
+              </a:spcAft>
+              <a:buSzPts val="2400"/>
+              <a:buChar char="⬡"/>
+            </a:pPr>
+            <a:r>
+              <a:rPr lang="en-US" sz="3200" dirty="0"/>
+              <a:t>Availability – Load balancing, Internet devices as infrastructure</a:t>
+            </a:r>
+          </a:p>
+        </p:txBody>
+      </p:sp>
+      <p:sp>
+        <p:nvSpPr>
+          <p:cNvPr id="105" name="Google Shape;105;p18"/>
+          <p:cNvSpPr txBox="1">
+            <a:spLocks noGrp="1"/>
+          </p:cNvSpPr>
+          <p:nvPr>
+            <p:ph type="sldNum" idx="12"/>
+          </p:nvPr>
+        </p:nvSpPr>
+        <p:spPr>
+          <a:xfrm>
+            <a:off x="8480584" y="4749851"/>
+            <a:ext cx="548700" cy="393600"/>
+          </a:xfrm>
+          <a:prstGeom prst="rect">
+            <a:avLst/>
+          </a:prstGeom>
+        </p:spPr>
+        <p:txBody>
+          <a:bodyPr spcFirstLastPara="1" wrap="square" lIns="0" tIns="0" rIns="0" bIns="0" anchor="ctr" anchorCtr="0">
+            <a:noAutofit/>
+          </a:bodyPr>
+          <a:lstStyle/>
+          <a:p>
+            <a:pPr marL="0" lvl="0" indent="0" algn="r" rtl="0">
+              <a:spcBef>
+                <a:spcPts val="0"/>
+              </a:spcBef>
+              <a:spcAft>
+                <a:spcPts val="0"/>
+              </a:spcAft>
+              <a:buNone/>
+            </a:pPr>
+            <a:fld id="{00000000-1234-1234-1234-123412341234}" type="slidenum">
+              <a:rPr lang="en"/>
+              <a:t>11</a:t>
+            </a:fld>
+            <a:endParaRPr/>
+          </a:p>
+        </p:txBody>
+      </p:sp>
+    </p:spTree>
+    <p:extLst>
+      <p:ext uri="{BB962C8B-B14F-4D97-AF65-F5344CB8AC3E}">
+        <p14:creationId xmlns:p14="http://schemas.microsoft.com/office/powerpoint/2010/main" val="1799802725"/>
+      </p:ext>
+    </p:extLst>
+  </p:cSld>
+  <p:clrMapOvr>
+    <a:masterClrMapping/>
+  </p:clrMapOvr>
+</p:sld>
+</file>
+
+<file path=ppt/slides/slide12.xml><?xml version="1.0" encoding="utf-8"?>
+<p:sld xmlns:a="http://schemas.openxmlformats.org/drawingml/2006/main" xmlns:r="http://schemas.openxmlformats.org/officeDocument/2006/relationships" xmlns:p="http://schemas.openxmlformats.org/presentationml/2006/main">
+  <p:cSld>
+    <p:spTree>
+      <p:nvGrpSpPr>
+        <p:cNvPr id="1" name="Shape 102"/>
+        <p:cNvGrpSpPr/>
+        <p:nvPr/>
+      </p:nvGrpSpPr>
+      <p:grpSpPr>
+        <a:xfrm>
+          <a:off x="0" y="0"/>
+          <a:ext cx="0" cy="0"/>
+          <a:chOff x="0" y="0"/>
+          <a:chExt cx="0" cy="0"/>
+        </a:xfrm>
+      </p:grpSpPr>
+      <p:sp>
+        <p:nvSpPr>
+          <p:cNvPr id="103" name="Google Shape;103;p18"/>
+          <p:cNvSpPr txBox="1">
+            <a:spLocks noGrp="1"/>
+          </p:cNvSpPr>
+          <p:nvPr>
+            <p:ph type="title"/>
+          </p:nvPr>
+        </p:nvSpPr>
+        <p:spPr>
+          <a:xfrm>
             <a:off x="224203" y="-215435"/>
             <a:ext cx="6014400" cy="857400"/>
           </a:xfrm>
@@ -10280,7 +10681,7 @@
             </a:pPr>
             <a:fld id="{00000000-1234-1234-1234-123412341234}" type="slidenum">
               <a:rPr lang="en"/>
-              <a:t>11</a:t>
+              <a:t>12</a:t>
             </a:fld>
             <a:endParaRPr/>
           </a:p>
@@ -10299,7 +10700,7 @@
 </p:sld>
 </file>
 
-<file path=ppt/slides/slide12.xml><?xml version="1.0" encoding="utf-8"?>
+<file path=ppt/slides/slide13.xml><?xml version="1.0" encoding="utf-8"?>
 <p:sld xmlns:a="http://schemas.openxmlformats.org/drawingml/2006/main" xmlns:r="http://schemas.openxmlformats.org/officeDocument/2006/relationships" xmlns:p="http://schemas.openxmlformats.org/presentationml/2006/main">
   <p:cSld>
     <p:spTree>
@@ -10352,7 +10753,7 @@
             </a:pPr>
             <a:fld id="{00000000-1234-1234-1234-123412341234}" type="slidenum">
               <a:rPr lang="en"/>
-              <a:t>12</a:t>
+              <a:t>13</a:t>
             </a:fld>
             <a:endParaRPr/>
           </a:p>

--- a/Presentation.pptx
+++ b/Presentation.pptx
@@ -10771,7 +10771,7 @@
         </p:nvSpPr>
         <p:spPr>
           <a:xfrm>
-            <a:off x="544307" y="2107500"/>
+            <a:off x="529945" y="1555674"/>
             <a:ext cx="5157246" cy="928500"/>
           </a:xfrm>
           <a:prstGeom prst="rect">
@@ -10893,6 +10893,292 @@
           </a:ln>
         </p:spPr>
       </p:pic>
+      <p:sp>
+        <p:nvSpPr>
+          <p:cNvPr id="9" name="Google Shape;351;p35">
+            <a:extLst>
+              <a:ext uri="{FF2B5EF4-FFF2-40B4-BE49-F238E27FC236}">
+                <a16:creationId xmlns:a16="http://schemas.microsoft.com/office/drawing/2014/main" id="{E5AC0939-678D-B0CF-01FE-EA95F382262B}"/>
+              </a:ext>
+            </a:extLst>
+          </p:cNvPr>
+          <p:cNvSpPr txBox="1">
+            <a:spLocks/>
+          </p:cNvSpPr>
+          <p:nvPr/>
+        </p:nvSpPr>
+        <p:spPr>
+          <a:xfrm>
+            <a:off x="1238486" y="2591797"/>
+            <a:ext cx="5157246" cy="928500"/>
+          </a:xfrm>
+          <a:prstGeom prst="rect">
+            <a:avLst/>
+          </a:prstGeom>
+          <a:noFill/>
+          <a:ln>
+            <a:noFill/>
+          </a:ln>
+        </p:spPr>
+        <p:txBody>
+          <a:bodyPr spcFirstLastPara="1" wrap="square" lIns="0" tIns="0" rIns="0" bIns="0" anchor="b" anchorCtr="0">
+            <a:noAutofit/>
+          </a:bodyPr>
+          <a:lstStyle>
+            <a:defPPr marR="0" lvl="0" algn="l" rtl="0">
+              <a:lnSpc>
+                <a:spcPct val="100000"/>
+              </a:lnSpc>
+              <a:spcBef>
+                <a:spcPts val="0"/>
+              </a:spcBef>
+              <a:spcAft>
+                <a:spcPts val="0"/>
+              </a:spcAft>
+            </a:defPPr>
+            <a:lvl1pPr marR="0" lvl="0" algn="l" rtl="0">
+              <a:lnSpc>
+                <a:spcPct val="100000"/>
+              </a:lnSpc>
+              <a:spcBef>
+                <a:spcPts val="0"/>
+              </a:spcBef>
+              <a:spcAft>
+                <a:spcPts val="0"/>
+              </a:spcAft>
+              <a:buClr>
+                <a:schemeClr val="lt1"/>
+              </a:buClr>
+              <a:buSzPts val="3200"/>
+              <a:buFont typeface="Lexend Deca"/>
+              <a:buNone/>
+              <a:defRPr sz="3200" b="1" i="0" u="none" strike="noStrike" cap="none">
+                <a:solidFill>
+                  <a:schemeClr val="lt1"/>
+                </a:solidFill>
+                <a:latin typeface="Lexend Deca"/>
+                <a:ea typeface="Lexend Deca"/>
+                <a:cs typeface="Lexend Deca"/>
+                <a:sym typeface="Lexend Deca"/>
+              </a:defRPr>
+            </a:lvl1pPr>
+            <a:lvl2pPr marR="0" lvl="1" algn="l" rtl="0">
+              <a:lnSpc>
+                <a:spcPct val="100000"/>
+              </a:lnSpc>
+              <a:spcBef>
+                <a:spcPts val="0"/>
+              </a:spcBef>
+              <a:spcAft>
+                <a:spcPts val="0"/>
+              </a:spcAft>
+              <a:buClr>
+                <a:schemeClr val="lt1"/>
+              </a:buClr>
+              <a:buSzPts val="3200"/>
+              <a:buFont typeface="Lexend Deca"/>
+              <a:buNone/>
+              <a:defRPr sz="3200" b="1" i="0" u="none" strike="noStrike" cap="none">
+                <a:solidFill>
+                  <a:schemeClr val="lt1"/>
+                </a:solidFill>
+                <a:latin typeface="Lexend Deca"/>
+                <a:ea typeface="Lexend Deca"/>
+                <a:cs typeface="Lexend Deca"/>
+                <a:sym typeface="Lexend Deca"/>
+              </a:defRPr>
+            </a:lvl2pPr>
+            <a:lvl3pPr marR="0" lvl="2" algn="l" rtl="0">
+              <a:lnSpc>
+                <a:spcPct val="100000"/>
+              </a:lnSpc>
+              <a:spcBef>
+                <a:spcPts val="0"/>
+              </a:spcBef>
+              <a:spcAft>
+                <a:spcPts val="0"/>
+              </a:spcAft>
+              <a:buClr>
+                <a:schemeClr val="lt1"/>
+              </a:buClr>
+              <a:buSzPts val="3200"/>
+              <a:buFont typeface="Lexend Deca"/>
+              <a:buNone/>
+              <a:defRPr sz="3200" b="1" i="0" u="none" strike="noStrike" cap="none">
+                <a:solidFill>
+                  <a:schemeClr val="lt1"/>
+                </a:solidFill>
+                <a:latin typeface="Lexend Deca"/>
+                <a:ea typeface="Lexend Deca"/>
+                <a:cs typeface="Lexend Deca"/>
+                <a:sym typeface="Lexend Deca"/>
+              </a:defRPr>
+            </a:lvl3pPr>
+            <a:lvl4pPr marR="0" lvl="3" algn="l" rtl="0">
+              <a:lnSpc>
+                <a:spcPct val="100000"/>
+              </a:lnSpc>
+              <a:spcBef>
+                <a:spcPts val="0"/>
+              </a:spcBef>
+              <a:spcAft>
+                <a:spcPts val="0"/>
+              </a:spcAft>
+              <a:buClr>
+                <a:schemeClr val="lt1"/>
+              </a:buClr>
+              <a:buSzPts val="3200"/>
+              <a:buFont typeface="Lexend Deca"/>
+              <a:buNone/>
+              <a:defRPr sz="3200" b="1" i="0" u="none" strike="noStrike" cap="none">
+                <a:solidFill>
+                  <a:schemeClr val="lt1"/>
+                </a:solidFill>
+                <a:latin typeface="Lexend Deca"/>
+                <a:ea typeface="Lexend Deca"/>
+                <a:cs typeface="Lexend Deca"/>
+                <a:sym typeface="Lexend Deca"/>
+              </a:defRPr>
+            </a:lvl4pPr>
+            <a:lvl5pPr marR="0" lvl="4" algn="l" rtl="0">
+              <a:lnSpc>
+                <a:spcPct val="100000"/>
+              </a:lnSpc>
+              <a:spcBef>
+                <a:spcPts val="0"/>
+              </a:spcBef>
+              <a:spcAft>
+                <a:spcPts val="0"/>
+              </a:spcAft>
+              <a:buClr>
+                <a:schemeClr val="lt1"/>
+              </a:buClr>
+              <a:buSzPts val="3200"/>
+              <a:buFont typeface="Lexend Deca"/>
+              <a:buNone/>
+              <a:defRPr sz="3200" b="1" i="0" u="none" strike="noStrike" cap="none">
+                <a:solidFill>
+                  <a:schemeClr val="lt1"/>
+                </a:solidFill>
+                <a:latin typeface="Lexend Deca"/>
+                <a:ea typeface="Lexend Deca"/>
+                <a:cs typeface="Lexend Deca"/>
+                <a:sym typeface="Lexend Deca"/>
+              </a:defRPr>
+            </a:lvl5pPr>
+            <a:lvl6pPr marR="0" lvl="5" algn="l" rtl="0">
+              <a:lnSpc>
+                <a:spcPct val="100000"/>
+              </a:lnSpc>
+              <a:spcBef>
+                <a:spcPts val="0"/>
+              </a:spcBef>
+              <a:spcAft>
+                <a:spcPts val="0"/>
+              </a:spcAft>
+              <a:buClr>
+                <a:schemeClr val="lt1"/>
+              </a:buClr>
+              <a:buSzPts val="3200"/>
+              <a:buFont typeface="Lexend Deca"/>
+              <a:buNone/>
+              <a:defRPr sz="3200" b="1" i="0" u="none" strike="noStrike" cap="none">
+                <a:solidFill>
+                  <a:schemeClr val="lt1"/>
+                </a:solidFill>
+                <a:latin typeface="Lexend Deca"/>
+                <a:ea typeface="Lexend Deca"/>
+                <a:cs typeface="Lexend Deca"/>
+                <a:sym typeface="Lexend Deca"/>
+              </a:defRPr>
+            </a:lvl6pPr>
+            <a:lvl7pPr marR="0" lvl="6" algn="l" rtl="0">
+              <a:lnSpc>
+                <a:spcPct val="100000"/>
+              </a:lnSpc>
+              <a:spcBef>
+                <a:spcPts val="0"/>
+              </a:spcBef>
+              <a:spcAft>
+                <a:spcPts val="0"/>
+              </a:spcAft>
+              <a:buClr>
+                <a:schemeClr val="lt1"/>
+              </a:buClr>
+              <a:buSzPts val="3200"/>
+              <a:buFont typeface="Lexend Deca"/>
+              <a:buNone/>
+              <a:defRPr sz="3200" b="1" i="0" u="none" strike="noStrike" cap="none">
+                <a:solidFill>
+                  <a:schemeClr val="lt1"/>
+                </a:solidFill>
+                <a:latin typeface="Lexend Deca"/>
+                <a:ea typeface="Lexend Deca"/>
+                <a:cs typeface="Lexend Deca"/>
+                <a:sym typeface="Lexend Deca"/>
+              </a:defRPr>
+            </a:lvl7pPr>
+            <a:lvl8pPr marR="0" lvl="7" algn="l" rtl="0">
+              <a:lnSpc>
+                <a:spcPct val="100000"/>
+              </a:lnSpc>
+              <a:spcBef>
+                <a:spcPts val="0"/>
+              </a:spcBef>
+              <a:spcAft>
+                <a:spcPts val="0"/>
+              </a:spcAft>
+              <a:buClr>
+                <a:schemeClr val="lt1"/>
+              </a:buClr>
+              <a:buSzPts val="3200"/>
+              <a:buFont typeface="Lexend Deca"/>
+              <a:buNone/>
+              <a:defRPr sz="3200" b="1" i="0" u="none" strike="noStrike" cap="none">
+                <a:solidFill>
+                  <a:schemeClr val="lt1"/>
+                </a:solidFill>
+                <a:latin typeface="Lexend Deca"/>
+                <a:ea typeface="Lexend Deca"/>
+                <a:cs typeface="Lexend Deca"/>
+                <a:sym typeface="Lexend Deca"/>
+              </a:defRPr>
+            </a:lvl8pPr>
+            <a:lvl9pPr marR="0" lvl="8" algn="l" rtl="0">
+              <a:lnSpc>
+                <a:spcPct val="100000"/>
+              </a:lnSpc>
+              <a:spcBef>
+                <a:spcPts val="0"/>
+              </a:spcBef>
+              <a:spcAft>
+                <a:spcPts val="0"/>
+              </a:spcAft>
+              <a:buClr>
+                <a:schemeClr val="lt1"/>
+              </a:buClr>
+              <a:buSzPts val="3200"/>
+              <a:buFont typeface="Lexend Deca"/>
+              <a:buNone/>
+              <a:defRPr sz="3200" b="1" i="0" u="none" strike="noStrike" cap="none">
+                <a:solidFill>
+                  <a:schemeClr val="lt1"/>
+                </a:solidFill>
+                <a:latin typeface="Lexend Deca"/>
+                <a:ea typeface="Lexend Deca"/>
+                <a:cs typeface="Lexend Deca"/>
+                <a:sym typeface="Lexend Deca"/>
+              </a:defRPr>
+            </a:lvl9pPr>
+          </a:lstStyle>
+          <a:p>
+            <a:r>
+              <a:rPr lang="en-US" sz="4800" dirty="0"/>
+              <a:t>Questions?</a:t>
+            </a:r>
+          </a:p>
+        </p:txBody>
+      </p:sp>
     </p:spTree>
   </p:cSld>
   <p:clrMapOvr>
